--- a/docs/Presentaties/StoryboardPresentatie.pptx
+++ b/docs/Presentaties/StoryboardPresentatie.pptx
@@ -9,8 +9,16 @@
     <p:sldId id="274" r:id="rId3"/>
     <p:sldId id="275" r:id="rId4"/>
     <p:sldId id="276" r:id="rId5"/>
-    <p:sldId id="277" r:id="rId6"/>
-    <p:sldId id="273" r:id="rId7"/>
+    <p:sldId id="278" r:id="rId6"/>
+    <p:sldId id="279" r:id="rId7"/>
+    <p:sldId id="280" r:id="rId8"/>
+    <p:sldId id="281" r:id="rId9"/>
+    <p:sldId id="282" r:id="rId10"/>
+    <p:sldId id="285" r:id="rId11"/>
+    <p:sldId id="286" r:id="rId12"/>
+    <p:sldId id="277" r:id="rId13"/>
+    <p:sldId id="284" r:id="rId14"/>
+    <p:sldId id="273" r:id="rId15"/>
   </p:sldIdLst>
   <p:sldSz cx="12192000" cy="6858000"/>
   <p:notesSz cx="6858000" cy="9144000"/>
@@ -109,6 +117,11 @@
       </a:defRPr>
     </a:lvl9pPr>
   </p:defaultTextStyle>
+  <p:extLst>
+    <p:ext uri="{EFAFB233-063F-42B5-8137-9DF3F51BA10A}">
+      <p15:sldGuideLst xmlns:p15="http://schemas.microsoft.com/office/powerpoint/2012/main"/>
+    </p:ext>
+  </p:extLst>
 </p:presentation>
 </file>
 
@@ -9452,6 +9465,524 @@
 </p:sld>
 </file>
 
+<file path=ppt/slides/slide10.xml><?xml version="1.0" encoding="utf-8"?>
+<p:sld xmlns:a="http://schemas.openxmlformats.org/drawingml/2006/main" xmlns:r="http://schemas.openxmlformats.org/officeDocument/2006/relationships" xmlns:p="http://schemas.openxmlformats.org/presentationml/2006/main">
+  <p:cSld>
+    <p:bg>
+      <p:bgPr>
+        <a:solidFill>
+          <a:schemeClr val="tx1"/>
+        </a:solidFill>
+        <a:effectLst/>
+      </p:bgPr>
+    </p:bg>
+    <p:spTree>
+      <p:nvGrpSpPr>
+        <p:cNvPr id="1" name=""/>
+        <p:cNvGrpSpPr/>
+        <p:nvPr/>
+      </p:nvGrpSpPr>
+      <p:grpSpPr>
+        <a:xfrm>
+          <a:off x="0" y="0"/>
+          <a:ext cx="0" cy="0"/>
+          <a:chOff x="0" y="0"/>
+          <a:chExt cx="0" cy="0"/>
+        </a:xfrm>
+      </p:grpSpPr>
+      <p:pic>
+        <p:nvPicPr>
+          <p:cNvPr id="5" name="Afbeelding 4" descr="Afbeelding met binnen, zitten, tafel, levend&#10;&#10;Automatisch gegenereerde beschrijving">
+            <a:extLst>
+              <a:ext uri="{FF2B5EF4-FFF2-40B4-BE49-F238E27FC236}">
+                <a16:creationId xmlns:a16="http://schemas.microsoft.com/office/drawing/2014/main" id="{2316DABF-EF1A-4FC0-BE91-EEDD90C4C6DF}"/>
+              </a:ext>
+            </a:extLst>
+          </p:cNvPr>
+          <p:cNvPicPr>
+            <a:picLocks noChangeAspect="1"/>
+          </p:cNvPicPr>
+          <p:nvPr/>
+        </p:nvPicPr>
+        <p:blipFill>
+          <a:blip r:embed="rId2">
+            <a:alphaModFix amt="50000"/>
+            <a:extLst>
+              <a:ext uri="{28A0092B-C50C-407E-A947-70E740481C1C}">
+                <a14:useLocalDpi xmlns:a14="http://schemas.microsoft.com/office/drawing/2010/main" val="0"/>
+              </a:ext>
+            </a:extLst>
+          </a:blip>
+          <a:stretch>
+            <a:fillRect/>
+          </a:stretch>
+        </p:blipFill>
+        <p:spPr>
+          <a:xfrm>
+            <a:off x="0" y="-635000"/>
+            <a:ext cx="12192000" cy="8128000"/>
+          </a:xfrm>
+          <a:prstGeom prst="rect">
+            <a:avLst/>
+          </a:prstGeom>
+        </p:spPr>
+      </p:pic>
+      <p:sp>
+        <p:nvSpPr>
+          <p:cNvPr id="2" name="Titel 1">
+            <a:extLst>
+              <a:ext uri="{FF2B5EF4-FFF2-40B4-BE49-F238E27FC236}">
+                <a16:creationId xmlns:a16="http://schemas.microsoft.com/office/drawing/2014/main" id="{3B716AF2-9DF1-4AC3-A408-9A3F1E45C6AA}"/>
+              </a:ext>
+            </a:extLst>
+          </p:cNvPr>
+          <p:cNvSpPr>
+            <a:spLocks noGrp="1"/>
+          </p:cNvSpPr>
+          <p:nvPr>
+            <p:ph type="ctrTitle"/>
+          </p:nvPr>
+        </p:nvSpPr>
+        <p:spPr>
+          <a:xfrm>
+            <a:off x="1524000" y="2235200"/>
+            <a:ext cx="9144000" cy="2387600"/>
+          </a:xfrm>
+        </p:spPr>
+        <p:txBody>
+          <a:bodyPr>
+            <a:normAutofit/>
+          </a:bodyPr>
+          <a:lstStyle/>
+          <a:p>
+            <a:r>
+              <a:rPr lang="nl-NL" sz="4400" dirty="0">
+                <a:solidFill>
+                  <a:schemeClr val="bg1"/>
+                </a:solidFill>
+                <a:latin typeface="Abadi" panose="020B0604020104020204" pitchFamily="34" charset="0"/>
+              </a:rPr>
+              <a:t>Minder slijtage van het product en omgeving</a:t>
+            </a:r>
+          </a:p>
+        </p:txBody>
+      </p:sp>
+    </p:spTree>
+    <p:extLst>
+      <p:ext uri="{BB962C8B-B14F-4D97-AF65-F5344CB8AC3E}">
+        <p14:creationId xmlns:p14="http://schemas.microsoft.com/office/powerpoint/2010/main" val="2806269305"/>
+      </p:ext>
+    </p:extLst>
+  </p:cSld>
+  <p:clrMapOvr>
+    <a:masterClrMapping/>
+  </p:clrMapOvr>
+</p:sld>
+</file>
+
+<file path=ppt/slides/slide11.xml><?xml version="1.0" encoding="utf-8"?>
+<p:sld xmlns:a="http://schemas.openxmlformats.org/drawingml/2006/main" xmlns:r="http://schemas.openxmlformats.org/officeDocument/2006/relationships" xmlns:p="http://schemas.openxmlformats.org/presentationml/2006/main">
+  <p:cSld>
+    <p:bg>
+      <p:bgPr>
+        <a:solidFill>
+          <a:schemeClr val="tx1"/>
+        </a:solidFill>
+        <a:effectLst/>
+      </p:bgPr>
+    </p:bg>
+    <p:spTree>
+      <p:nvGrpSpPr>
+        <p:cNvPr id="1" name=""/>
+        <p:cNvGrpSpPr/>
+        <p:nvPr/>
+      </p:nvGrpSpPr>
+      <p:grpSpPr>
+        <a:xfrm>
+          <a:off x="0" y="0"/>
+          <a:ext cx="0" cy="0"/>
+          <a:chOff x="0" y="0"/>
+          <a:chExt cx="0" cy="0"/>
+        </a:xfrm>
+      </p:grpSpPr>
+      <p:pic>
+        <p:nvPicPr>
+          <p:cNvPr id="5" name="Afbeelding 4" descr="Afbeelding met binnen, zitten, tafel, levend&#10;&#10;Automatisch gegenereerde beschrijving">
+            <a:extLst>
+              <a:ext uri="{FF2B5EF4-FFF2-40B4-BE49-F238E27FC236}">
+                <a16:creationId xmlns:a16="http://schemas.microsoft.com/office/drawing/2014/main" id="{2316DABF-EF1A-4FC0-BE91-EEDD90C4C6DF}"/>
+              </a:ext>
+            </a:extLst>
+          </p:cNvPr>
+          <p:cNvPicPr>
+            <a:picLocks noChangeAspect="1"/>
+          </p:cNvPicPr>
+          <p:nvPr/>
+        </p:nvPicPr>
+        <p:blipFill>
+          <a:blip r:embed="rId2">
+            <a:alphaModFix amt="50000"/>
+            <a:extLst>
+              <a:ext uri="{28A0092B-C50C-407E-A947-70E740481C1C}">
+                <a14:useLocalDpi xmlns:a14="http://schemas.microsoft.com/office/drawing/2010/main" val="0"/>
+              </a:ext>
+            </a:extLst>
+          </a:blip>
+          <a:stretch>
+            <a:fillRect/>
+          </a:stretch>
+        </p:blipFill>
+        <p:spPr>
+          <a:xfrm>
+            <a:off x="0" y="-635000"/>
+            <a:ext cx="12192000" cy="8128000"/>
+          </a:xfrm>
+          <a:prstGeom prst="rect">
+            <a:avLst/>
+          </a:prstGeom>
+        </p:spPr>
+      </p:pic>
+      <p:sp>
+        <p:nvSpPr>
+          <p:cNvPr id="2" name="Titel 1">
+            <a:extLst>
+              <a:ext uri="{FF2B5EF4-FFF2-40B4-BE49-F238E27FC236}">
+                <a16:creationId xmlns:a16="http://schemas.microsoft.com/office/drawing/2014/main" id="{3B716AF2-9DF1-4AC3-A408-9A3F1E45C6AA}"/>
+              </a:ext>
+            </a:extLst>
+          </p:cNvPr>
+          <p:cNvSpPr>
+            <a:spLocks noGrp="1"/>
+          </p:cNvSpPr>
+          <p:nvPr>
+            <p:ph type="ctrTitle"/>
+          </p:nvPr>
+        </p:nvSpPr>
+        <p:spPr>
+          <a:xfrm>
+            <a:off x="1524000" y="1632085"/>
+            <a:ext cx="9144000" cy="2387600"/>
+          </a:xfrm>
+        </p:spPr>
+        <p:txBody>
+          <a:bodyPr numCol="1">
+            <a:normAutofit/>
+          </a:bodyPr>
+          <a:lstStyle/>
+          <a:p>
+            <a:r>
+              <a:rPr lang="nl-NL" sz="4400" dirty="0">
+                <a:solidFill>
+                  <a:schemeClr val="bg1"/>
+                </a:solidFill>
+                <a:latin typeface="Abadi" panose="020B0604020104020204" pitchFamily="34" charset="0"/>
+              </a:rPr>
+              <a:t>Verlaagde kosten op lange termijn</a:t>
+            </a:r>
+          </a:p>
+        </p:txBody>
+      </p:sp>
+    </p:spTree>
+    <p:extLst>
+      <p:ext uri="{BB962C8B-B14F-4D97-AF65-F5344CB8AC3E}">
+        <p14:creationId xmlns:p14="http://schemas.microsoft.com/office/powerpoint/2010/main" val="2740474586"/>
+      </p:ext>
+    </p:extLst>
+  </p:cSld>
+  <p:clrMapOvr>
+    <a:masterClrMapping/>
+  </p:clrMapOvr>
+</p:sld>
+</file>
+
+<file path=ppt/slides/slide12.xml><?xml version="1.0" encoding="utf-8"?>
+<p:sld xmlns:a="http://schemas.openxmlformats.org/drawingml/2006/main" xmlns:r="http://schemas.openxmlformats.org/officeDocument/2006/relationships" xmlns:p="http://schemas.openxmlformats.org/presentationml/2006/main">
+  <p:cSld>
+    <p:bg>
+      <p:bgPr>
+        <a:solidFill>
+          <a:schemeClr val="tx1"/>
+        </a:solidFill>
+        <a:effectLst/>
+      </p:bgPr>
+    </p:bg>
+    <p:spTree>
+      <p:nvGrpSpPr>
+        <p:cNvPr id="1" name=""/>
+        <p:cNvGrpSpPr/>
+        <p:nvPr/>
+      </p:nvGrpSpPr>
+      <p:grpSpPr>
+        <a:xfrm>
+          <a:off x="0" y="0"/>
+          <a:ext cx="0" cy="0"/>
+          <a:chOff x="0" y="0"/>
+          <a:chExt cx="0" cy="0"/>
+        </a:xfrm>
+      </p:grpSpPr>
+      <p:pic>
+        <p:nvPicPr>
+          <p:cNvPr id="5" name="Afbeelding 4" descr="Afbeelding met binnen, zitten, tafel, levend&#10;&#10;Automatisch gegenereerde beschrijving">
+            <a:extLst>
+              <a:ext uri="{FF2B5EF4-FFF2-40B4-BE49-F238E27FC236}">
+                <a16:creationId xmlns:a16="http://schemas.microsoft.com/office/drawing/2014/main" id="{2316DABF-EF1A-4FC0-BE91-EEDD90C4C6DF}"/>
+              </a:ext>
+            </a:extLst>
+          </p:cNvPr>
+          <p:cNvPicPr>
+            <a:picLocks noChangeAspect="1"/>
+          </p:cNvPicPr>
+          <p:nvPr/>
+        </p:nvPicPr>
+        <p:blipFill>
+          <a:blip r:embed="rId2">
+            <a:alphaModFix amt="40000"/>
+            <a:extLst>
+              <a:ext uri="{28A0092B-C50C-407E-A947-70E740481C1C}">
+                <a14:useLocalDpi xmlns:a14="http://schemas.microsoft.com/office/drawing/2010/main" val="0"/>
+              </a:ext>
+            </a:extLst>
+          </a:blip>
+          <a:stretch>
+            <a:fillRect/>
+          </a:stretch>
+        </p:blipFill>
+        <p:spPr>
+          <a:xfrm>
+            <a:off x="0" y="-635000"/>
+            <a:ext cx="12192000" cy="8128000"/>
+          </a:xfrm>
+          <a:prstGeom prst="rect">
+            <a:avLst/>
+          </a:prstGeom>
+        </p:spPr>
+      </p:pic>
+      <p:sp>
+        <p:nvSpPr>
+          <p:cNvPr id="2" name="Titel 1">
+            <a:extLst>
+              <a:ext uri="{FF2B5EF4-FFF2-40B4-BE49-F238E27FC236}">
+                <a16:creationId xmlns:a16="http://schemas.microsoft.com/office/drawing/2014/main" id="{3B716AF2-9DF1-4AC3-A408-9A3F1E45C6AA}"/>
+              </a:ext>
+            </a:extLst>
+          </p:cNvPr>
+          <p:cNvSpPr>
+            <a:spLocks noGrp="1"/>
+          </p:cNvSpPr>
+          <p:nvPr>
+            <p:ph type="ctrTitle"/>
+          </p:nvPr>
+        </p:nvSpPr>
+        <p:spPr>
+          <a:xfrm>
+            <a:off x="1524000" y="3068040"/>
+            <a:ext cx="9144000" cy="721919"/>
+          </a:xfrm>
+        </p:spPr>
+        <p:txBody>
+          <a:bodyPr>
+            <a:normAutofit/>
+          </a:bodyPr>
+          <a:lstStyle/>
+          <a:p>
+            <a:r>
+              <a:rPr lang="nl-NL" sz="4400" dirty="0">
+                <a:solidFill>
+                  <a:schemeClr val="bg1"/>
+                </a:solidFill>
+                <a:latin typeface="Abadi" panose="020B0604020104020204" pitchFamily="34" charset="0"/>
+              </a:rPr>
+              <a:t>Eventuele uitbreidingen</a:t>
+            </a:r>
+          </a:p>
+        </p:txBody>
+      </p:sp>
+    </p:spTree>
+    <p:extLst>
+      <p:ext uri="{BB962C8B-B14F-4D97-AF65-F5344CB8AC3E}">
+        <p14:creationId xmlns:p14="http://schemas.microsoft.com/office/powerpoint/2010/main" val="3337485424"/>
+      </p:ext>
+    </p:extLst>
+  </p:cSld>
+  <p:clrMapOvr>
+    <a:masterClrMapping/>
+  </p:clrMapOvr>
+</p:sld>
+</file>
+
+<file path=ppt/slides/slide13.xml><?xml version="1.0" encoding="utf-8"?>
+<p:sld xmlns:a="http://schemas.openxmlformats.org/drawingml/2006/main" xmlns:r="http://schemas.openxmlformats.org/officeDocument/2006/relationships" xmlns:p="http://schemas.openxmlformats.org/presentationml/2006/main">
+  <p:cSld>
+    <p:bg>
+      <p:bgPr>
+        <a:solidFill>
+          <a:schemeClr val="tx1"/>
+        </a:solidFill>
+        <a:effectLst/>
+      </p:bgPr>
+    </p:bg>
+    <p:spTree>
+      <p:nvGrpSpPr>
+        <p:cNvPr id="1" name=""/>
+        <p:cNvGrpSpPr/>
+        <p:nvPr/>
+      </p:nvGrpSpPr>
+      <p:grpSpPr>
+        <a:xfrm>
+          <a:off x="0" y="0"/>
+          <a:ext cx="0" cy="0"/>
+          <a:chOff x="0" y="0"/>
+          <a:chExt cx="0" cy="0"/>
+        </a:xfrm>
+      </p:grpSpPr>
+      <p:pic>
+        <p:nvPicPr>
+          <p:cNvPr id="5" name="Afbeelding 4" descr="Afbeelding met binnen, zitten, tafel, levend&#10;&#10;Automatisch gegenereerde beschrijving">
+            <a:extLst>
+              <a:ext uri="{FF2B5EF4-FFF2-40B4-BE49-F238E27FC236}">
+                <a16:creationId xmlns:a16="http://schemas.microsoft.com/office/drawing/2014/main" id="{2316DABF-EF1A-4FC0-BE91-EEDD90C4C6DF}"/>
+              </a:ext>
+            </a:extLst>
+          </p:cNvPr>
+          <p:cNvPicPr>
+            <a:picLocks noChangeAspect="1"/>
+          </p:cNvPicPr>
+          <p:nvPr/>
+        </p:nvPicPr>
+        <p:blipFill>
+          <a:blip r:embed="rId2">
+            <a:alphaModFix amt="40000"/>
+            <a:extLst>
+              <a:ext uri="{28A0092B-C50C-407E-A947-70E740481C1C}">
+                <a14:useLocalDpi xmlns:a14="http://schemas.microsoft.com/office/drawing/2010/main" val="0"/>
+              </a:ext>
+            </a:extLst>
+          </a:blip>
+          <a:stretch>
+            <a:fillRect/>
+          </a:stretch>
+        </p:blipFill>
+        <p:spPr>
+          <a:xfrm>
+            <a:off x="0" y="-635000"/>
+            <a:ext cx="12192000" cy="8128000"/>
+          </a:xfrm>
+          <a:prstGeom prst="rect">
+            <a:avLst/>
+          </a:prstGeom>
+        </p:spPr>
+      </p:pic>
+      <p:sp>
+        <p:nvSpPr>
+          <p:cNvPr id="6" name="Titel 1">
+            <a:extLst>
+              <a:ext uri="{FF2B5EF4-FFF2-40B4-BE49-F238E27FC236}">
+                <a16:creationId xmlns:a16="http://schemas.microsoft.com/office/drawing/2014/main" id="{46B2FAD5-F0DB-4107-A24B-0768DFC98EBB}"/>
+              </a:ext>
+            </a:extLst>
+          </p:cNvPr>
+          <p:cNvSpPr>
+            <a:spLocks noGrp="1"/>
+          </p:cNvSpPr>
+          <p:nvPr>
+            <p:ph type="ctrTitle"/>
+          </p:nvPr>
+        </p:nvSpPr>
+        <p:spPr>
+          <a:xfrm>
+            <a:off x="1524000" y="3068040"/>
+            <a:ext cx="9144000" cy="721919"/>
+          </a:xfrm>
+        </p:spPr>
+        <p:txBody>
+          <a:bodyPr>
+            <a:normAutofit/>
+          </a:bodyPr>
+          <a:lstStyle/>
+          <a:p>
+            <a:r>
+              <a:rPr lang="nl-NL" sz="4400" dirty="0">
+                <a:solidFill>
+                  <a:schemeClr val="bg1"/>
+                </a:solidFill>
+                <a:latin typeface="Abadi" panose="020B0604020104020204" pitchFamily="34" charset="0"/>
+              </a:rPr>
+              <a:t>Alleen stofzuigen waar nodig</a:t>
+            </a:r>
+          </a:p>
+        </p:txBody>
+      </p:sp>
+    </p:spTree>
+    <p:extLst>
+      <p:ext uri="{BB962C8B-B14F-4D97-AF65-F5344CB8AC3E}">
+        <p14:creationId xmlns:p14="http://schemas.microsoft.com/office/powerpoint/2010/main" val="1221479945"/>
+      </p:ext>
+    </p:extLst>
+  </p:cSld>
+  <p:clrMapOvr>
+    <a:masterClrMapping/>
+  </p:clrMapOvr>
+</p:sld>
+</file>
+
+<file path=ppt/slides/slide14.xml><?xml version="1.0" encoding="utf-8"?>
+<p:sld xmlns:a="http://schemas.openxmlformats.org/drawingml/2006/main" xmlns:r="http://schemas.openxmlformats.org/officeDocument/2006/relationships" xmlns:p="http://schemas.openxmlformats.org/presentationml/2006/main">
+  <p:cSld>
+    <p:spTree>
+      <p:nvGrpSpPr>
+        <p:cNvPr id="1" name=""/>
+        <p:cNvGrpSpPr/>
+        <p:nvPr/>
+      </p:nvGrpSpPr>
+      <p:grpSpPr>
+        <a:xfrm>
+          <a:off x="0" y="0"/>
+          <a:ext cx="0" cy="0"/>
+          <a:chOff x="0" y="0"/>
+          <a:chExt cx="0" cy="0"/>
+        </a:xfrm>
+      </p:grpSpPr>
+      <p:graphicFrame>
+        <p:nvGraphicFramePr>
+          <p:cNvPr id="7" name="Diagram 6">
+            <a:extLst>
+              <a:ext uri="{FF2B5EF4-FFF2-40B4-BE49-F238E27FC236}">
+                <a16:creationId xmlns:a16="http://schemas.microsoft.com/office/drawing/2014/main" id="{DF0B705E-5275-4CA1-B1F7-4FCED68EB88A}"/>
+              </a:ext>
+            </a:extLst>
+          </p:cNvPr>
+          <p:cNvGraphicFramePr/>
+          <p:nvPr>
+            <p:extLst>
+              <p:ext uri="{D42A27DB-BD31-4B8C-83A1-F6EECF244321}">
+                <p14:modId xmlns:p14="http://schemas.microsoft.com/office/powerpoint/2010/main" val="2534160741"/>
+              </p:ext>
+            </p:extLst>
+          </p:nvPr>
+        </p:nvGraphicFramePr>
+        <p:xfrm>
+          <a:off x="1805748" y="140530"/>
+          <a:ext cx="9033510" cy="7197725"/>
+        </p:xfrm>
+        <a:graphic>
+          <a:graphicData uri="http://schemas.openxmlformats.org/drawingml/2006/diagram">
+            <dgm:relIds xmlns:dgm="http://schemas.openxmlformats.org/drawingml/2006/diagram" xmlns:r="http://schemas.openxmlformats.org/officeDocument/2006/relationships" r:dm="rId2" r:lo="rId3" r:qs="rId4" r:cs="rId5"/>
+          </a:graphicData>
+        </a:graphic>
+      </p:graphicFrame>
+    </p:spTree>
+    <p:extLst>
+      <p:ext uri="{BB962C8B-B14F-4D97-AF65-F5344CB8AC3E}">
+        <p14:creationId xmlns:p14="http://schemas.microsoft.com/office/powerpoint/2010/main" val="360607002"/>
+      </p:ext>
+    </p:extLst>
+  </p:cSld>
+  <p:clrMapOvr>
+    <a:masterClrMapping/>
+  </p:clrMapOvr>
+</p:sld>
+</file>
+
 <file path=ppt/slides/slide2.xml><?xml version="1.0" encoding="utf-8"?>
 <p:sld xmlns:a="http://schemas.openxmlformats.org/drawingml/2006/main" xmlns:r="http://schemas.openxmlformats.org/officeDocument/2006/relationships" xmlns:p="http://schemas.openxmlformats.org/presentationml/2006/main">
   <p:cSld>
@@ -9647,7 +10178,7 @@
         </p:nvSpPr>
         <p:spPr>
           <a:xfrm>
-            <a:off x="1524000" y="2235200"/>
+            <a:off x="1524000" y="1622358"/>
             <a:ext cx="9144000" cy="2387600"/>
           </a:xfrm>
         </p:spPr>
@@ -9898,14 +10429,22 @@
           </a:bodyPr>
           <a:lstStyle/>
           <a:p>
-            <a:endParaRPr lang="nl-NL" sz="4400" dirty="0"/>
+            <a:r>
+              <a:rPr lang="nl-NL" sz="4400" dirty="0">
+                <a:solidFill>
+                  <a:schemeClr val="bg1"/>
+                </a:solidFill>
+                <a:latin typeface="Abadi" panose="020B0604020104020204" pitchFamily="34" charset="0"/>
+              </a:rPr>
+              <a:t>Onthouden waar obstakels zich bevinden</a:t>
+            </a:r>
           </a:p>
         </p:txBody>
       </p:sp>
     </p:spTree>
     <p:extLst>
       <p:ext uri="{BB962C8B-B14F-4D97-AF65-F5344CB8AC3E}">
-        <p14:creationId xmlns:p14="http://schemas.microsoft.com/office/powerpoint/2010/main" val="3337485424"/>
+        <p14:creationId xmlns:p14="http://schemas.microsoft.com/office/powerpoint/2010/main" val="2961175394"/>
       </p:ext>
     </p:extLst>
   </p:cSld>
@@ -9918,6 +10457,14 @@
 <file path=ppt/slides/slide6.xml><?xml version="1.0" encoding="utf-8"?>
 <p:sld xmlns:a="http://schemas.openxmlformats.org/drawingml/2006/main" xmlns:r="http://schemas.openxmlformats.org/officeDocument/2006/relationships" xmlns:p="http://schemas.openxmlformats.org/presentationml/2006/main">
   <p:cSld>
+    <p:bg>
+      <p:bgPr>
+        <a:solidFill>
+          <a:schemeClr val="tx1"/>
+        </a:solidFill>
+        <a:effectLst/>
+      </p:bgPr>
+    </p:bg>
     <p:spTree>
       <p:nvGrpSpPr>
         <p:cNvPr id="1" name=""/>
@@ -9932,38 +10479,432 @@
           <a:chExt cx="0" cy="0"/>
         </a:xfrm>
       </p:grpSpPr>
-      <p:graphicFrame>
-        <p:nvGraphicFramePr>
-          <p:cNvPr id="7" name="Diagram 6">
+      <p:pic>
+        <p:nvPicPr>
+          <p:cNvPr id="5" name="Afbeelding 4" descr="Afbeelding met binnen, zitten, tafel, levend&#10;&#10;Automatisch gegenereerde beschrijving">
             <a:extLst>
               <a:ext uri="{FF2B5EF4-FFF2-40B4-BE49-F238E27FC236}">
-                <a16:creationId xmlns:a16="http://schemas.microsoft.com/office/drawing/2014/main" id="{DF0B705E-5275-4CA1-B1F7-4FCED68EB88A}"/>
+                <a16:creationId xmlns:a16="http://schemas.microsoft.com/office/drawing/2014/main" id="{2316DABF-EF1A-4FC0-BE91-EEDD90C4C6DF}"/>
               </a:ext>
             </a:extLst>
           </p:cNvPr>
-          <p:cNvGraphicFramePr/>
+          <p:cNvPicPr>
+            <a:picLocks noChangeAspect="1"/>
+          </p:cNvPicPr>
+          <p:nvPr/>
+        </p:nvPicPr>
+        <p:blipFill>
+          <a:blip r:embed="rId2">
+            <a:alphaModFix amt="50000"/>
+            <a:extLst>
+              <a:ext uri="{28A0092B-C50C-407E-A947-70E740481C1C}">
+                <a14:useLocalDpi xmlns:a14="http://schemas.microsoft.com/office/drawing/2010/main" val="0"/>
+              </a:ext>
+            </a:extLst>
+          </a:blip>
+          <a:stretch>
+            <a:fillRect/>
+          </a:stretch>
+        </p:blipFill>
+        <p:spPr>
+          <a:xfrm>
+            <a:off x="0" y="-635000"/>
+            <a:ext cx="12192000" cy="8128000"/>
+          </a:xfrm>
+          <a:prstGeom prst="rect">
+            <a:avLst/>
+          </a:prstGeom>
+        </p:spPr>
+      </p:pic>
+      <p:sp>
+        <p:nvSpPr>
+          <p:cNvPr id="2" name="Titel 1">
+            <a:extLst>
+              <a:ext uri="{FF2B5EF4-FFF2-40B4-BE49-F238E27FC236}">
+                <a16:creationId xmlns:a16="http://schemas.microsoft.com/office/drawing/2014/main" id="{3B716AF2-9DF1-4AC3-A408-9A3F1E45C6AA}"/>
+              </a:ext>
+            </a:extLst>
+          </p:cNvPr>
+          <p:cNvSpPr>
+            <a:spLocks noGrp="1"/>
+          </p:cNvSpPr>
           <p:nvPr>
-            <p:extLst>
-              <p:ext uri="{D42A27DB-BD31-4B8C-83A1-F6EECF244321}">
-                <p14:modId xmlns:p14="http://schemas.microsoft.com/office/powerpoint/2010/main" val="2534160741"/>
-              </p:ext>
-            </p:extLst>
+            <p:ph type="ctrTitle"/>
           </p:nvPr>
-        </p:nvGraphicFramePr>
-        <p:xfrm>
-          <a:off x="1805748" y="140530"/>
-          <a:ext cx="9033510" cy="7197725"/>
-        </p:xfrm>
-        <a:graphic>
-          <a:graphicData uri="http://schemas.openxmlformats.org/drawingml/2006/diagram">
-            <dgm:relIds xmlns:dgm="http://schemas.openxmlformats.org/drawingml/2006/diagram" xmlns:r="http://schemas.openxmlformats.org/officeDocument/2006/relationships" r:dm="rId2" r:lo="rId3" r:qs="rId4" r:cs="rId5"/>
-          </a:graphicData>
-        </a:graphic>
-      </p:graphicFrame>
+        </p:nvSpPr>
+        <p:spPr>
+          <a:xfrm>
+            <a:off x="1524000" y="2235200"/>
+            <a:ext cx="9144000" cy="2387600"/>
+          </a:xfrm>
+        </p:spPr>
+        <p:txBody>
+          <a:bodyPr>
+            <a:normAutofit/>
+          </a:bodyPr>
+          <a:lstStyle/>
+          <a:p>
+            <a:r>
+              <a:rPr lang="nl-NL" sz="4400" dirty="0">
+                <a:solidFill>
+                  <a:schemeClr val="bg1"/>
+                </a:solidFill>
+                <a:latin typeface="Abadi" panose="020B0604020104020204" pitchFamily="34" charset="0"/>
+              </a:rPr>
+              <a:t>Het huis zal sneller schoon zijn door een optimale route</a:t>
+            </a:r>
+          </a:p>
+        </p:txBody>
+      </p:sp>
     </p:spTree>
     <p:extLst>
       <p:ext uri="{BB962C8B-B14F-4D97-AF65-F5344CB8AC3E}">
-        <p14:creationId xmlns:p14="http://schemas.microsoft.com/office/powerpoint/2010/main" val="360607002"/>
+        <p14:creationId xmlns:p14="http://schemas.microsoft.com/office/powerpoint/2010/main" val="1635858086"/>
+      </p:ext>
+    </p:extLst>
+  </p:cSld>
+  <p:clrMapOvr>
+    <a:masterClrMapping/>
+  </p:clrMapOvr>
+</p:sld>
+</file>
+
+<file path=ppt/slides/slide7.xml><?xml version="1.0" encoding="utf-8"?>
+<p:sld xmlns:a="http://schemas.openxmlformats.org/drawingml/2006/main" xmlns:r="http://schemas.openxmlformats.org/officeDocument/2006/relationships" xmlns:p="http://schemas.openxmlformats.org/presentationml/2006/main">
+  <p:cSld>
+    <p:bg>
+      <p:bgPr>
+        <a:solidFill>
+          <a:schemeClr val="tx1"/>
+        </a:solidFill>
+        <a:effectLst/>
+      </p:bgPr>
+    </p:bg>
+    <p:spTree>
+      <p:nvGrpSpPr>
+        <p:cNvPr id="1" name=""/>
+        <p:cNvGrpSpPr/>
+        <p:nvPr/>
+      </p:nvGrpSpPr>
+      <p:grpSpPr>
+        <a:xfrm>
+          <a:off x="0" y="0"/>
+          <a:ext cx="0" cy="0"/>
+          <a:chOff x="0" y="0"/>
+          <a:chExt cx="0" cy="0"/>
+        </a:xfrm>
+      </p:grpSpPr>
+      <p:pic>
+        <p:nvPicPr>
+          <p:cNvPr id="5" name="Afbeelding 4" descr="Afbeelding met binnen, zitten, tafel, levend&#10;&#10;Automatisch gegenereerde beschrijving">
+            <a:extLst>
+              <a:ext uri="{FF2B5EF4-FFF2-40B4-BE49-F238E27FC236}">
+                <a16:creationId xmlns:a16="http://schemas.microsoft.com/office/drawing/2014/main" id="{2316DABF-EF1A-4FC0-BE91-EEDD90C4C6DF}"/>
+              </a:ext>
+            </a:extLst>
+          </p:cNvPr>
+          <p:cNvPicPr>
+            <a:picLocks noChangeAspect="1"/>
+          </p:cNvPicPr>
+          <p:nvPr/>
+        </p:nvPicPr>
+        <p:blipFill>
+          <a:blip r:embed="rId2">
+            <a:alphaModFix amt="50000"/>
+            <a:extLst>
+              <a:ext uri="{28A0092B-C50C-407E-A947-70E740481C1C}">
+                <a14:useLocalDpi xmlns:a14="http://schemas.microsoft.com/office/drawing/2010/main" val="0"/>
+              </a:ext>
+            </a:extLst>
+          </a:blip>
+          <a:stretch>
+            <a:fillRect/>
+          </a:stretch>
+        </p:blipFill>
+        <p:spPr>
+          <a:xfrm>
+            <a:off x="0" y="-635000"/>
+            <a:ext cx="12192000" cy="8128000"/>
+          </a:xfrm>
+          <a:prstGeom prst="rect">
+            <a:avLst/>
+          </a:prstGeom>
+        </p:spPr>
+      </p:pic>
+      <p:sp>
+        <p:nvSpPr>
+          <p:cNvPr id="2" name="Titel 1">
+            <a:extLst>
+              <a:ext uri="{FF2B5EF4-FFF2-40B4-BE49-F238E27FC236}">
+                <a16:creationId xmlns:a16="http://schemas.microsoft.com/office/drawing/2014/main" id="{3B716AF2-9DF1-4AC3-A408-9A3F1E45C6AA}"/>
+              </a:ext>
+            </a:extLst>
+          </p:cNvPr>
+          <p:cNvSpPr>
+            <a:spLocks noGrp="1"/>
+          </p:cNvSpPr>
+          <p:nvPr>
+            <p:ph type="ctrTitle"/>
+          </p:nvPr>
+        </p:nvSpPr>
+        <p:spPr>
+          <a:xfrm>
+            <a:off x="1524000" y="1690451"/>
+            <a:ext cx="9144000" cy="2387600"/>
+          </a:xfrm>
+        </p:spPr>
+        <p:txBody>
+          <a:bodyPr>
+            <a:normAutofit/>
+          </a:bodyPr>
+          <a:lstStyle/>
+          <a:p>
+            <a:r>
+              <a:rPr lang="nl-NL" sz="4400" dirty="0">
+                <a:solidFill>
+                  <a:schemeClr val="bg1"/>
+                </a:solidFill>
+                <a:latin typeface="Abadi" panose="020B0604020104020204" pitchFamily="34" charset="0"/>
+              </a:rPr>
+              <a:t>Minder energieverbruik </a:t>
+            </a:r>
+          </a:p>
+        </p:txBody>
+      </p:sp>
+    </p:spTree>
+    <p:extLst>
+      <p:ext uri="{BB962C8B-B14F-4D97-AF65-F5344CB8AC3E}">
+        <p14:creationId xmlns:p14="http://schemas.microsoft.com/office/powerpoint/2010/main" val="305698547"/>
+      </p:ext>
+    </p:extLst>
+  </p:cSld>
+  <p:clrMapOvr>
+    <a:masterClrMapping/>
+  </p:clrMapOvr>
+</p:sld>
+</file>
+
+<file path=ppt/slides/slide8.xml><?xml version="1.0" encoding="utf-8"?>
+<p:sld xmlns:a="http://schemas.openxmlformats.org/drawingml/2006/main" xmlns:r="http://schemas.openxmlformats.org/officeDocument/2006/relationships" xmlns:p="http://schemas.openxmlformats.org/presentationml/2006/main">
+  <p:cSld>
+    <p:bg>
+      <p:bgPr>
+        <a:solidFill>
+          <a:schemeClr val="tx1"/>
+        </a:solidFill>
+        <a:effectLst/>
+      </p:bgPr>
+    </p:bg>
+    <p:spTree>
+      <p:nvGrpSpPr>
+        <p:cNvPr id="1" name=""/>
+        <p:cNvGrpSpPr/>
+        <p:nvPr/>
+      </p:nvGrpSpPr>
+      <p:grpSpPr>
+        <a:xfrm>
+          <a:off x="0" y="0"/>
+          <a:ext cx="0" cy="0"/>
+          <a:chOff x="0" y="0"/>
+          <a:chExt cx="0" cy="0"/>
+        </a:xfrm>
+      </p:grpSpPr>
+      <p:pic>
+        <p:nvPicPr>
+          <p:cNvPr id="5" name="Afbeelding 4" descr="Afbeelding met binnen, zitten, tafel, levend&#10;&#10;Automatisch gegenereerde beschrijving">
+            <a:extLst>
+              <a:ext uri="{FF2B5EF4-FFF2-40B4-BE49-F238E27FC236}">
+                <a16:creationId xmlns:a16="http://schemas.microsoft.com/office/drawing/2014/main" id="{2316DABF-EF1A-4FC0-BE91-EEDD90C4C6DF}"/>
+              </a:ext>
+            </a:extLst>
+          </p:cNvPr>
+          <p:cNvPicPr>
+            <a:picLocks noChangeAspect="1"/>
+          </p:cNvPicPr>
+          <p:nvPr/>
+        </p:nvPicPr>
+        <p:blipFill>
+          <a:blip r:embed="rId2">
+            <a:alphaModFix amt="50000"/>
+            <a:extLst>
+              <a:ext uri="{28A0092B-C50C-407E-A947-70E740481C1C}">
+                <a14:useLocalDpi xmlns:a14="http://schemas.microsoft.com/office/drawing/2010/main" val="0"/>
+              </a:ext>
+            </a:extLst>
+          </a:blip>
+          <a:stretch>
+            <a:fillRect/>
+          </a:stretch>
+        </p:blipFill>
+        <p:spPr>
+          <a:xfrm>
+            <a:off x="0" y="-635000"/>
+            <a:ext cx="12192000" cy="8128000"/>
+          </a:xfrm>
+          <a:prstGeom prst="rect">
+            <a:avLst/>
+          </a:prstGeom>
+        </p:spPr>
+      </p:pic>
+      <p:sp>
+        <p:nvSpPr>
+          <p:cNvPr id="2" name="Titel 1">
+            <a:extLst>
+              <a:ext uri="{FF2B5EF4-FFF2-40B4-BE49-F238E27FC236}">
+                <a16:creationId xmlns:a16="http://schemas.microsoft.com/office/drawing/2014/main" id="{3B716AF2-9DF1-4AC3-A408-9A3F1E45C6AA}"/>
+              </a:ext>
+            </a:extLst>
+          </p:cNvPr>
+          <p:cNvSpPr>
+            <a:spLocks noGrp="1"/>
+          </p:cNvSpPr>
+          <p:nvPr>
+            <p:ph type="ctrTitle"/>
+          </p:nvPr>
+        </p:nvSpPr>
+        <p:spPr>
+          <a:xfrm>
+            <a:off x="1524000" y="1690449"/>
+            <a:ext cx="9144000" cy="2387600"/>
+          </a:xfrm>
+        </p:spPr>
+        <p:txBody>
+          <a:bodyPr>
+            <a:normAutofit/>
+          </a:bodyPr>
+          <a:lstStyle/>
+          <a:p>
+            <a:r>
+              <a:rPr lang="nl-NL" sz="4400" dirty="0">
+                <a:solidFill>
+                  <a:schemeClr val="bg1"/>
+                </a:solidFill>
+                <a:latin typeface="Abadi" panose="020B0604020104020204" pitchFamily="34" charset="0"/>
+              </a:rPr>
+              <a:t>Korter onderweg</a:t>
+            </a:r>
+          </a:p>
+        </p:txBody>
+      </p:sp>
+    </p:spTree>
+    <p:extLst>
+      <p:ext uri="{BB962C8B-B14F-4D97-AF65-F5344CB8AC3E}">
+        <p14:creationId xmlns:p14="http://schemas.microsoft.com/office/powerpoint/2010/main" val="4070243246"/>
+      </p:ext>
+    </p:extLst>
+  </p:cSld>
+  <p:clrMapOvr>
+    <a:masterClrMapping/>
+  </p:clrMapOvr>
+</p:sld>
+</file>
+
+<file path=ppt/slides/slide9.xml><?xml version="1.0" encoding="utf-8"?>
+<p:sld xmlns:a="http://schemas.openxmlformats.org/drawingml/2006/main" xmlns:r="http://schemas.openxmlformats.org/officeDocument/2006/relationships" xmlns:p="http://schemas.openxmlformats.org/presentationml/2006/main">
+  <p:cSld>
+    <p:bg>
+      <p:bgPr>
+        <a:solidFill>
+          <a:schemeClr val="tx1"/>
+        </a:solidFill>
+        <a:effectLst/>
+      </p:bgPr>
+    </p:bg>
+    <p:spTree>
+      <p:nvGrpSpPr>
+        <p:cNvPr id="1" name=""/>
+        <p:cNvGrpSpPr/>
+        <p:nvPr/>
+      </p:nvGrpSpPr>
+      <p:grpSpPr>
+        <a:xfrm>
+          <a:off x="0" y="0"/>
+          <a:ext cx="0" cy="0"/>
+          <a:chOff x="0" y="0"/>
+          <a:chExt cx="0" cy="0"/>
+        </a:xfrm>
+      </p:grpSpPr>
+      <p:pic>
+        <p:nvPicPr>
+          <p:cNvPr id="5" name="Afbeelding 4" descr="Afbeelding met binnen, zitten, tafel, levend&#10;&#10;Automatisch gegenereerde beschrijving">
+            <a:extLst>
+              <a:ext uri="{FF2B5EF4-FFF2-40B4-BE49-F238E27FC236}">
+                <a16:creationId xmlns:a16="http://schemas.microsoft.com/office/drawing/2014/main" id="{2316DABF-EF1A-4FC0-BE91-EEDD90C4C6DF}"/>
+              </a:ext>
+            </a:extLst>
+          </p:cNvPr>
+          <p:cNvPicPr>
+            <a:picLocks noChangeAspect="1"/>
+          </p:cNvPicPr>
+          <p:nvPr/>
+        </p:nvPicPr>
+        <p:blipFill>
+          <a:blip r:embed="rId2">
+            <a:alphaModFix amt="50000"/>
+            <a:extLst>
+              <a:ext uri="{28A0092B-C50C-407E-A947-70E740481C1C}">
+                <a14:useLocalDpi xmlns:a14="http://schemas.microsoft.com/office/drawing/2010/main" val="0"/>
+              </a:ext>
+            </a:extLst>
+          </a:blip>
+          <a:stretch>
+            <a:fillRect/>
+          </a:stretch>
+        </p:blipFill>
+        <p:spPr>
+          <a:xfrm>
+            <a:off x="0" y="-635000"/>
+            <a:ext cx="12192000" cy="8128000"/>
+          </a:xfrm>
+          <a:prstGeom prst="rect">
+            <a:avLst/>
+          </a:prstGeom>
+        </p:spPr>
+      </p:pic>
+      <p:sp>
+        <p:nvSpPr>
+          <p:cNvPr id="2" name="Titel 1">
+            <a:extLst>
+              <a:ext uri="{FF2B5EF4-FFF2-40B4-BE49-F238E27FC236}">
+                <a16:creationId xmlns:a16="http://schemas.microsoft.com/office/drawing/2014/main" id="{3B716AF2-9DF1-4AC3-A408-9A3F1E45C6AA}"/>
+              </a:ext>
+            </a:extLst>
+          </p:cNvPr>
+          <p:cNvSpPr>
+            <a:spLocks noGrp="1"/>
+          </p:cNvSpPr>
+          <p:nvPr>
+            <p:ph type="ctrTitle"/>
+          </p:nvPr>
+        </p:nvSpPr>
+        <p:spPr>
+          <a:xfrm>
+            <a:off x="1524000" y="1680726"/>
+            <a:ext cx="9144000" cy="2387600"/>
+          </a:xfrm>
+        </p:spPr>
+        <p:txBody>
+          <a:bodyPr>
+            <a:normAutofit/>
+          </a:bodyPr>
+          <a:lstStyle/>
+          <a:p>
+            <a:r>
+              <a:rPr lang="nl-NL" sz="4400" dirty="0">
+                <a:solidFill>
+                  <a:schemeClr val="bg1"/>
+                </a:solidFill>
+                <a:latin typeface="Abadi" panose="020B0604020104020204" pitchFamily="34" charset="0"/>
+              </a:rPr>
+              <a:t>Het is duurzamer</a:t>
+            </a:r>
+          </a:p>
+        </p:txBody>
+      </p:sp>
+    </p:spTree>
+    <p:extLst>
+      <p:ext uri="{BB962C8B-B14F-4D97-AF65-F5344CB8AC3E}">
+        <p14:creationId xmlns:p14="http://schemas.microsoft.com/office/powerpoint/2010/main" val="3342042856"/>
       </p:ext>
     </p:extLst>
   </p:cSld>

--- a/docs/Presentaties/StoryboardPresentatie.pptx
+++ b/docs/Presentaties/StoryboardPresentatie.pptx
@@ -9,16 +9,8 @@
     <p:sldId id="274" r:id="rId3"/>
     <p:sldId id="275" r:id="rId4"/>
     <p:sldId id="276" r:id="rId5"/>
-    <p:sldId id="278" r:id="rId6"/>
-    <p:sldId id="279" r:id="rId7"/>
-    <p:sldId id="280" r:id="rId8"/>
-    <p:sldId id="281" r:id="rId9"/>
-    <p:sldId id="282" r:id="rId10"/>
-    <p:sldId id="285" r:id="rId11"/>
-    <p:sldId id="286" r:id="rId12"/>
-    <p:sldId id="277" r:id="rId13"/>
-    <p:sldId id="284" r:id="rId14"/>
-    <p:sldId id="273" r:id="rId15"/>
+    <p:sldId id="277" r:id="rId6"/>
+    <p:sldId id="273" r:id="rId7"/>
   </p:sldIdLst>
   <p:sldSz cx="12192000" cy="6858000"/>
   <p:notesSz cx="6858000" cy="9144000"/>
@@ -6307,7 +6299,7 @@
           <a:p>
             <a:fld id="{4F031B8B-FA51-4DCA-9CB1-47E796494F48}" type="datetimeFigureOut">
               <a:rPr lang="nl-NL" smtClean="0"/>
-              <a:t>12-2-2020</a:t>
+              <a:t>17-2-2020</a:t>
             </a:fld>
             <a:endParaRPr lang="nl-NL"/>
           </a:p>
@@ -6505,7 +6497,7 @@
           <a:p>
             <a:fld id="{4F031B8B-FA51-4DCA-9CB1-47E796494F48}" type="datetimeFigureOut">
               <a:rPr lang="nl-NL" smtClean="0"/>
-              <a:t>12-2-2020</a:t>
+              <a:t>17-2-2020</a:t>
             </a:fld>
             <a:endParaRPr lang="nl-NL"/>
           </a:p>
@@ -6713,7 +6705,7 @@
           <a:p>
             <a:fld id="{4F031B8B-FA51-4DCA-9CB1-47E796494F48}" type="datetimeFigureOut">
               <a:rPr lang="nl-NL" smtClean="0"/>
-              <a:t>12-2-2020</a:t>
+              <a:t>17-2-2020</a:t>
             </a:fld>
             <a:endParaRPr lang="nl-NL"/>
           </a:p>
@@ -6911,7 +6903,7 @@
           <a:p>
             <a:fld id="{4F031B8B-FA51-4DCA-9CB1-47E796494F48}" type="datetimeFigureOut">
               <a:rPr lang="nl-NL" smtClean="0"/>
-              <a:t>12-2-2020</a:t>
+              <a:t>17-2-2020</a:t>
             </a:fld>
             <a:endParaRPr lang="nl-NL"/>
           </a:p>
@@ -7186,7 +7178,7 @@
           <a:p>
             <a:fld id="{4F031B8B-FA51-4DCA-9CB1-47E796494F48}" type="datetimeFigureOut">
               <a:rPr lang="nl-NL" smtClean="0"/>
-              <a:t>12-2-2020</a:t>
+              <a:t>17-2-2020</a:t>
             </a:fld>
             <a:endParaRPr lang="nl-NL"/>
           </a:p>
@@ -7451,7 +7443,7 @@
           <a:p>
             <a:fld id="{4F031B8B-FA51-4DCA-9CB1-47E796494F48}" type="datetimeFigureOut">
               <a:rPr lang="nl-NL" smtClean="0"/>
-              <a:t>12-2-2020</a:t>
+              <a:t>17-2-2020</a:t>
             </a:fld>
             <a:endParaRPr lang="nl-NL"/>
           </a:p>
@@ -7863,7 +7855,7 @@
           <a:p>
             <a:fld id="{4F031B8B-FA51-4DCA-9CB1-47E796494F48}" type="datetimeFigureOut">
               <a:rPr lang="nl-NL" smtClean="0"/>
-              <a:t>12-2-2020</a:t>
+              <a:t>17-2-2020</a:t>
             </a:fld>
             <a:endParaRPr lang="nl-NL"/>
           </a:p>
@@ -8004,7 +7996,7 @@
           <a:p>
             <a:fld id="{4F031B8B-FA51-4DCA-9CB1-47E796494F48}" type="datetimeFigureOut">
               <a:rPr lang="nl-NL" smtClean="0"/>
-              <a:t>12-2-2020</a:t>
+              <a:t>17-2-2020</a:t>
             </a:fld>
             <a:endParaRPr lang="nl-NL"/>
           </a:p>
@@ -8117,7 +8109,7 @@
           <a:p>
             <a:fld id="{4F031B8B-FA51-4DCA-9CB1-47E796494F48}" type="datetimeFigureOut">
               <a:rPr lang="nl-NL" smtClean="0"/>
-              <a:t>12-2-2020</a:t>
+              <a:t>17-2-2020</a:t>
             </a:fld>
             <a:endParaRPr lang="nl-NL"/>
           </a:p>
@@ -8428,7 +8420,7 @@
           <a:p>
             <a:fld id="{4F031B8B-FA51-4DCA-9CB1-47E796494F48}" type="datetimeFigureOut">
               <a:rPr lang="nl-NL" smtClean="0"/>
-              <a:t>12-2-2020</a:t>
+              <a:t>17-2-2020</a:t>
             </a:fld>
             <a:endParaRPr lang="nl-NL"/>
           </a:p>
@@ -8716,7 +8708,7 @@
           <a:p>
             <a:fld id="{4F031B8B-FA51-4DCA-9CB1-47E796494F48}" type="datetimeFigureOut">
               <a:rPr lang="nl-NL" smtClean="0"/>
-              <a:t>12-2-2020</a:t>
+              <a:t>17-2-2020</a:t>
             </a:fld>
             <a:endParaRPr lang="nl-NL"/>
           </a:p>
@@ -8957,7 +8949,7 @@
           <a:p>
             <a:fld id="{4F031B8B-FA51-4DCA-9CB1-47E796494F48}" type="datetimeFigureOut">
               <a:rPr lang="nl-NL" smtClean="0"/>
-              <a:t>12-2-2020</a:t>
+              <a:t>17-2-2020</a:t>
             </a:fld>
             <a:endParaRPr lang="nl-NL"/>
           </a:p>
@@ -9384,10 +9376,10 @@
       </p:grpSpPr>
       <p:pic>
         <p:nvPicPr>
-          <p:cNvPr id="5" name="Afbeelding 4" descr="Afbeelding met binnen, zitten, tafel, levend&#10;&#10;Automatisch gegenereerde beschrijving">
+          <p:cNvPr id="7" name="Afbeelding 6" descr="Afbeelding met binnen, tafel, computer, bureau&#10;&#10;Automatisch gegenereerde beschrijving">
             <a:extLst>
               <a:ext uri="{FF2B5EF4-FFF2-40B4-BE49-F238E27FC236}">
-                <a16:creationId xmlns:a16="http://schemas.microsoft.com/office/drawing/2014/main" id="{2316DABF-EF1A-4FC0-BE91-EEDD90C4C6DF}"/>
+                <a16:creationId xmlns:a16="http://schemas.microsoft.com/office/drawing/2014/main" id="{586BC049-6C02-40B0-8487-ECF884F0B67D}"/>
               </a:ext>
             </a:extLst>
           </p:cNvPr>
@@ -9411,7 +9403,7 @@
         </p:blipFill>
         <p:spPr>
           <a:xfrm>
-            <a:off x="0" y="-635000"/>
+            <a:off x="0" y="-1270000"/>
             <a:ext cx="12192000" cy="8128000"/>
           </a:xfrm>
           <a:prstGeom prst="rect">
@@ -9447,8 +9439,23 @@
                 </a:solidFill>
                 <a:latin typeface="Abadi" panose="020B0604020202020204" pitchFamily="34" charset="0"/>
               </a:rPr>
-              <a:t>Slimme stofzuiger</a:t>
+              <a:t>CAPTCHA </a:t>
             </a:r>
+            <a:r>
+              <a:rPr lang="nl-NL" dirty="0" err="1">
+                <a:solidFill>
+                  <a:schemeClr val="bg1"/>
+                </a:solidFill>
+                <a:latin typeface="Abadi" panose="020B0604020202020204" pitchFamily="34" charset="0"/>
+              </a:rPr>
+              <a:t>Recognition</a:t>
+            </a:r>
+            <a:endParaRPr lang="nl-NL" dirty="0">
+              <a:solidFill>
+                <a:schemeClr val="bg1"/>
+              </a:solidFill>
+              <a:latin typeface="Abadi" panose="020B0604020202020204" pitchFamily="34" charset="0"/>
+            </a:endParaRPr>
           </a:p>
         </p:txBody>
       </p:sp>
@@ -9465,7 +9472,7 @@
 </p:sld>
 </file>
 
-<file path=ppt/slides/slide10.xml><?xml version="1.0" encoding="utf-8"?>
+<file path=ppt/slides/slide2.xml><?xml version="1.0" encoding="utf-8"?>
 <p:sld xmlns:a="http://schemas.openxmlformats.org/drawingml/2006/main" xmlns:r="http://schemas.openxmlformats.org/officeDocument/2006/relationships" xmlns:p="http://schemas.openxmlformats.org/presentationml/2006/main">
   <p:cSld>
     <p:bg>
@@ -9492,10 +9499,10 @@
       </p:grpSpPr>
       <p:pic>
         <p:nvPicPr>
-          <p:cNvPr id="5" name="Afbeelding 4" descr="Afbeelding met binnen, zitten, tafel, levend&#10;&#10;Automatisch gegenereerde beschrijving">
+          <p:cNvPr id="7" name="Afbeelding 6" descr="Afbeelding met binnen, tafel, computer, bureau&#10;&#10;Automatisch gegenereerde beschrijving">
             <a:extLst>
               <a:ext uri="{FF2B5EF4-FFF2-40B4-BE49-F238E27FC236}">
-                <a16:creationId xmlns:a16="http://schemas.microsoft.com/office/drawing/2014/main" id="{2316DABF-EF1A-4FC0-BE91-EEDD90C4C6DF}"/>
+                <a16:creationId xmlns:a16="http://schemas.microsoft.com/office/drawing/2014/main" id="{586BC049-6C02-40B0-8487-ECF884F0B67D}"/>
               </a:ext>
             </a:extLst>
           </p:cNvPr>
@@ -9519,7 +9526,7 @@
         </p:blipFill>
         <p:spPr>
           <a:xfrm>
-            <a:off x="0" y="-635000"/>
+            <a:off x="0" y="-1270000"/>
             <a:ext cx="12192000" cy="8128000"/>
           </a:xfrm>
           <a:prstGeom prst="rect">
@@ -9543,34 +9550,42 @@
             <p:ph type="ctrTitle"/>
           </p:nvPr>
         </p:nvSpPr>
-        <p:spPr>
-          <a:xfrm>
-            <a:off x="1524000" y="2235200"/>
-            <a:ext cx="9144000" cy="2387600"/>
-          </a:xfrm>
-        </p:spPr>
+        <p:spPr/>
         <p:txBody>
-          <a:bodyPr>
-            <a:normAutofit/>
-          </a:bodyPr>
+          <a:bodyPr/>
           <a:lstStyle/>
           <a:p>
             <a:r>
-              <a:rPr lang="nl-NL" sz="4400" dirty="0">
+              <a:rPr lang="nl-NL" dirty="0">
                 <a:solidFill>
                   <a:schemeClr val="bg1"/>
                 </a:solidFill>
-                <a:latin typeface="Abadi" panose="020B0604020104020204" pitchFamily="34" charset="0"/>
+                <a:latin typeface="Abadi" panose="020B0604020202020204" pitchFamily="34" charset="0"/>
               </a:rPr>
-              <a:t>Minder slijtage van het product en omgeving</a:t>
+              <a:t>CAPTCHA </a:t>
             </a:r>
+            <a:r>
+              <a:rPr lang="nl-NL" dirty="0" err="1">
+                <a:solidFill>
+                  <a:schemeClr val="bg1"/>
+                </a:solidFill>
+                <a:latin typeface="Abadi" panose="020B0604020202020204" pitchFamily="34" charset="0"/>
+              </a:rPr>
+              <a:t>Recognition</a:t>
+            </a:r>
+            <a:endParaRPr lang="nl-NL" dirty="0">
+              <a:solidFill>
+                <a:schemeClr val="bg1"/>
+              </a:solidFill>
+              <a:latin typeface="Abadi" panose="020B0604020202020204" pitchFamily="34" charset="0"/>
+            </a:endParaRPr>
           </a:p>
         </p:txBody>
       </p:sp>
     </p:spTree>
     <p:extLst>
       <p:ext uri="{BB962C8B-B14F-4D97-AF65-F5344CB8AC3E}">
-        <p14:creationId xmlns:p14="http://schemas.microsoft.com/office/powerpoint/2010/main" val="2806269305"/>
+        <p14:creationId xmlns:p14="http://schemas.microsoft.com/office/powerpoint/2010/main" val="3599597936"/>
       </p:ext>
     </p:extLst>
   </p:cSld>
@@ -9580,7 +9595,7 @@
 </p:sld>
 </file>
 
-<file path=ppt/slides/slide11.xml><?xml version="1.0" encoding="utf-8"?>
+<file path=ppt/slides/slide3.xml><?xml version="1.0" encoding="utf-8"?>
 <p:sld xmlns:a="http://schemas.openxmlformats.org/drawingml/2006/main" xmlns:r="http://schemas.openxmlformats.org/officeDocument/2006/relationships" xmlns:p="http://schemas.openxmlformats.org/presentationml/2006/main">
   <p:cSld>
     <p:bg>
@@ -9607,10 +9622,10 @@
       </p:grpSpPr>
       <p:pic>
         <p:nvPicPr>
-          <p:cNvPr id="5" name="Afbeelding 4" descr="Afbeelding met binnen, zitten, tafel, levend&#10;&#10;Automatisch gegenereerde beschrijving">
+          <p:cNvPr id="7" name="Afbeelding 6" descr="Afbeelding met binnen, tafel, computer, bureau&#10;&#10;Automatisch gegenereerde beschrijving">
             <a:extLst>
               <a:ext uri="{FF2B5EF4-FFF2-40B4-BE49-F238E27FC236}">
-                <a16:creationId xmlns:a16="http://schemas.microsoft.com/office/drawing/2014/main" id="{2316DABF-EF1A-4FC0-BE91-EEDD90C4C6DF}"/>
+                <a16:creationId xmlns:a16="http://schemas.microsoft.com/office/drawing/2014/main" id="{586BC049-6C02-40B0-8487-ECF884F0B67D}"/>
               </a:ext>
             </a:extLst>
           </p:cNvPr>
@@ -9634,7 +9649,7 @@
         </p:blipFill>
         <p:spPr>
           <a:xfrm>
-            <a:off x="0" y="-635000"/>
+            <a:off x="0" y="-1270000"/>
             <a:ext cx="12192000" cy="8128000"/>
           </a:xfrm>
           <a:prstGeom prst="rect">
@@ -9658,34 +9673,42 @@
             <p:ph type="ctrTitle"/>
           </p:nvPr>
         </p:nvSpPr>
-        <p:spPr>
-          <a:xfrm>
-            <a:off x="1524000" y="1632085"/>
-            <a:ext cx="9144000" cy="2387600"/>
-          </a:xfrm>
-        </p:spPr>
+        <p:spPr/>
         <p:txBody>
-          <a:bodyPr numCol="1">
-            <a:normAutofit/>
-          </a:bodyPr>
+          <a:bodyPr/>
           <a:lstStyle/>
           <a:p>
             <a:r>
-              <a:rPr lang="nl-NL" sz="4400" dirty="0">
+              <a:rPr lang="nl-NL" dirty="0">
                 <a:solidFill>
                   <a:schemeClr val="bg1"/>
                 </a:solidFill>
-                <a:latin typeface="Abadi" panose="020B0604020104020204" pitchFamily="34" charset="0"/>
+                <a:latin typeface="Abadi" panose="020B0604020202020204" pitchFamily="34" charset="0"/>
               </a:rPr>
-              <a:t>Verlaagde kosten op lange termijn</a:t>
+              <a:t>CAPTCHA </a:t>
             </a:r>
+            <a:r>
+              <a:rPr lang="nl-NL" dirty="0" err="1">
+                <a:solidFill>
+                  <a:schemeClr val="bg1"/>
+                </a:solidFill>
+                <a:latin typeface="Abadi" panose="020B0604020202020204" pitchFamily="34" charset="0"/>
+              </a:rPr>
+              <a:t>Recognition</a:t>
+            </a:r>
+            <a:endParaRPr lang="nl-NL" dirty="0">
+              <a:solidFill>
+                <a:schemeClr val="bg1"/>
+              </a:solidFill>
+              <a:latin typeface="Abadi" panose="020B0604020202020204" pitchFamily="34" charset="0"/>
+            </a:endParaRPr>
           </a:p>
         </p:txBody>
       </p:sp>
     </p:spTree>
     <p:extLst>
       <p:ext uri="{BB962C8B-B14F-4D97-AF65-F5344CB8AC3E}">
-        <p14:creationId xmlns:p14="http://schemas.microsoft.com/office/powerpoint/2010/main" val="2740474586"/>
+        <p14:creationId xmlns:p14="http://schemas.microsoft.com/office/powerpoint/2010/main" val="3439410258"/>
       </p:ext>
     </p:extLst>
   </p:cSld>
@@ -9695,7 +9718,7 @@
 </p:sld>
 </file>
 
-<file path=ppt/slides/slide12.xml><?xml version="1.0" encoding="utf-8"?>
+<file path=ppt/slides/slide4.xml><?xml version="1.0" encoding="utf-8"?>
 <p:sld xmlns:a="http://schemas.openxmlformats.org/drawingml/2006/main" xmlns:r="http://schemas.openxmlformats.org/officeDocument/2006/relationships" xmlns:p="http://schemas.openxmlformats.org/presentationml/2006/main">
   <p:cSld>
     <p:bg>
@@ -9722,10 +9745,10 @@
       </p:grpSpPr>
       <p:pic>
         <p:nvPicPr>
-          <p:cNvPr id="5" name="Afbeelding 4" descr="Afbeelding met binnen, zitten, tafel, levend&#10;&#10;Automatisch gegenereerde beschrijving">
+          <p:cNvPr id="7" name="Afbeelding 6" descr="Afbeelding met binnen, tafel, computer, bureau&#10;&#10;Automatisch gegenereerde beschrijving">
             <a:extLst>
               <a:ext uri="{FF2B5EF4-FFF2-40B4-BE49-F238E27FC236}">
-                <a16:creationId xmlns:a16="http://schemas.microsoft.com/office/drawing/2014/main" id="{2316DABF-EF1A-4FC0-BE91-EEDD90C4C6DF}"/>
+                <a16:creationId xmlns:a16="http://schemas.microsoft.com/office/drawing/2014/main" id="{586BC049-6C02-40B0-8487-ECF884F0B67D}"/>
               </a:ext>
             </a:extLst>
           </p:cNvPr>
@@ -9736,7 +9759,7 @@
         </p:nvPicPr>
         <p:blipFill>
           <a:blip r:embed="rId2">
-            <a:alphaModFix amt="40000"/>
+            <a:alphaModFix amt="50000"/>
             <a:extLst>
               <a:ext uri="{28A0092B-C50C-407E-A947-70E740481C1C}">
                 <a14:useLocalDpi xmlns:a14="http://schemas.microsoft.com/office/drawing/2010/main" val="0"/>
@@ -9749,7 +9772,7 @@
         </p:blipFill>
         <p:spPr>
           <a:xfrm>
-            <a:off x="0" y="-635000"/>
+            <a:off x="0" y="-1270000"/>
             <a:ext cx="12192000" cy="8128000"/>
           </a:xfrm>
           <a:prstGeom prst="rect">
@@ -9773,34 +9796,42 @@
             <p:ph type="ctrTitle"/>
           </p:nvPr>
         </p:nvSpPr>
-        <p:spPr>
-          <a:xfrm>
-            <a:off x="1524000" y="3068040"/>
-            <a:ext cx="9144000" cy="721919"/>
-          </a:xfrm>
-        </p:spPr>
+        <p:spPr/>
         <p:txBody>
-          <a:bodyPr>
-            <a:normAutofit/>
-          </a:bodyPr>
+          <a:bodyPr/>
           <a:lstStyle/>
           <a:p>
             <a:r>
-              <a:rPr lang="nl-NL" sz="4400" dirty="0">
+              <a:rPr lang="nl-NL" dirty="0">
                 <a:solidFill>
                   <a:schemeClr val="bg1"/>
                 </a:solidFill>
-                <a:latin typeface="Abadi" panose="020B0604020104020204" pitchFamily="34" charset="0"/>
+                <a:latin typeface="Abadi" panose="020B0604020202020204" pitchFamily="34" charset="0"/>
               </a:rPr>
-              <a:t>Eventuele uitbreidingen</a:t>
+              <a:t>CAPTCHA </a:t>
             </a:r>
+            <a:r>
+              <a:rPr lang="nl-NL" dirty="0" err="1">
+                <a:solidFill>
+                  <a:schemeClr val="bg1"/>
+                </a:solidFill>
+                <a:latin typeface="Abadi" panose="020B0604020202020204" pitchFamily="34" charset="0"/>
+              </a:rPr>
+              <a:t>Recognition</a:t>
+            </a:r>
+            <a:endParaRPr lang="nl-NL" dirty="0">
+              <a:solidFill>
+                <a:schemeClr val="bg1"/>
+              </a:solidFill>
+              <a:latin typeface="Abadi" panose="020B0604020202020204" pitchFamily="34" charset="0"/>
+            </a:endParaRPr>
           </a:p>
         </p:txBody>
       </p:sp>
     </p:spTree>
     <p:extLst>
       <p:ext uri="{BB962C8B-B14F-4D97-AF65-F5344CB8AC3E}">
-        <p14:creationId xmlns:p14="http://schemas.microsoft.com/office/powerpoint/2010/main" val="3337485424"/>
+        <p14:creationId xmlns:p14="http://schemas.microsoft.com/office/powerpoint/2010/main" val="1102201945"/>
       </p:ext>
     </p:extLst>
   </p:cSld>
@@ -9810,7 +9841,7 @@
 </p:sld>
 </file>
 
-<file path=ppt/slides/slide13.xml><?xml version="1.0" encoding="utf-8"?>
+<file path=ppt/slides/slide5.xml><?xml version="1.0" encoding="utf-8"?>
 <p:sld xmlns:a="http://schemas.openxmlformats.org/drawingml/2006/main" xmlns:r="http://schemas.openxmlformats.org/officeDocument/2006/relationships" xmlns:p="http://schemas.openxmlformats.org/presentationml/2006/main">
   <p:cSld>
     <p:bg>
@@ -9837,10 +9868,10 @@
       </p:grpSpPr>
       <p:pic>
         <p:nvPicPr>
-          <p:cNvPr id="5" name="Afbeelding 4" descr="Afbeelding met binnen, zitten, tafel, levend&#10;&#10;Automatisch gegenereerde beschrijving">
+          <p:cNvPr id="7" name="Afbeelding 6" descr="Afbeelding met binnen, tafel, computer, bureau&#10;&#10;Automatisch gegenereerde beschrijving">
             <a:extLst>
               <a:ext uri="{FF2B5EF4-FFF2-40B4-BE49-F238E27FC236}">
-                <a16:creationId xmlns:a16="http://schemas.microsoft.com/office/drawing/2014/main" id="{2316DABF-EF1A-4FC0-BE91-EEDD90C4C6DF}"/>
+                <a16:creationId xmlns:a16="http://schemas.microsoft.com/office/drawing/2014/main" id="{586BC049-6C02-40B0-8487-ECF884F0B67D}"/>
               </a:ext>
             </a:extLst>
           </p:cNvPr>
@@ -9851,7 +9882,7 @@
         </p:nvPicPr>
         <p:blipFill>
           <a:blip r:embed="rId2">
-            <a:alphaModFix amt="40000"/>
+            <a:alphaModFix amt="50000"/>
             <a:extLst>
               <a:ext uri="{28A0092B-C50C-407E-A947-70E740481C1C}">
                 <a14:useLocalDpi xmlns:a14="http://schemas.microsoft.com/office/drawing/2010/main" val="0"/>
@@ -9864,7 +9895,7 @@
         </p:blipFill>
         <p:spPr>
           <a:xfrm>
-            <a:off x="0" y="-635000"/>
+            <a:off x="0" y="-1270000"/>
             <a:ext cx="12192000" cy="8128000"/>
           </a:xfrm>
           <a:prstGeom prst="rect">
@@ -9874,10 +9905,10 @@
       </p:pic>
       <p:sp>
         <p:nvSpPr>
-          <p:cNvPr id="6" name="Titel 1">
+          <p:cNvPr id="2" name="Titel 1">
             <a:extLst>
               <a:ext uri="{FF2B5EF4-FFF2-40B4-BE49-F238E27FC236}">
-                <a16:creationId xmlns:a16="http://schemas.microsoft.com/office/drawing/2014/main" id="{46B2FAD5-F0DB-4107-A24B-0768DFC98EBB}"/>
+                <a16:creationId xmlns:a16="http://schemas.microsoft.com/office/drawing/2014/main" id="{3B716AF2-9DF1-4AC3-A408-9A3F1E45C6AA}"/>
               </a:ext>
             </a:extLst>
           </p:cNvPr>
@@ -9888,34 +9919,42 @@
             <p:ph type="ctrTitle"/>
           </p:nvPr>
         </p:nvSpPr>
-        <p:spPr>
-          <a:xfrm>
-            <a:off x="1524000" y="3068040"/>
-            <a:ext cx="9144000" cy="721919"/>
-          </a:xfrm>
-        </p:spPr>
+        <p:spPr/>
         <p:txBody>
-          <a:bodyPr>
-            <a:normAutofit/>
-          </a:bodyPr>
+          <a:bodyPr/>
           <a:lstStyle/>
           <a:p>
             <a:r>
-              <a:rPr lang="nl-NL" sz="4400" dirty="0">
+              <a:rPr lang="nl-NL" dirty="0">
                 <a:solidFill>
                   <a:schemeClr val="bg1"/>
                 </a:solidFill>
-                <a:latin typeface="Abadi" panose="020B0604020104020204" pitchFamily="34" charset="0"/>
+                <a:latin typeface="Abadi" panose="020B0604020202020204" pitchFamily="34" charset="0"/>
               </a:rPr>
-              <a:t>Alleen stofzuigen waar nodig</a:t>
+              <a:t>CAPTCHA </a:t>
             </a:r>
+            <a:r>
+              <a:rPr lang="nl-NL" dirty="0" err="1">
+                <a:solidFill>
+                  <a:schemeClr val="bg1"/>
+                </a:solidFill>
+                <a:latin typeface="Abadi" panose="020B0604020202020204" pitchFamily="34" charset="0"/>
+              </a:rPr>
+              <a:t>Recognition</a:t>
+            </a:r>
+            <a:endParaRPr lang="nl-NL" dirty="0">
+              <a:solidFill>
+                <a:schemeClr val="bg1"/>
+              </a:solidFill>
+              <a:latin typeface="Abadi" panose="020B0604020202020204" pitchFamily="34" charset="0"/>
+            </a:endParaRPr>
           </a:p>
         </p:txBody>
       </p:sp>
     </p:spTree>
     <p:extLst>
       <p:ext uri="{BB962C8B-B14F-4D97-AF65-F5344CB8AC3E}">
-        <p14:creationId xmlns:p14="http://schemas.microsoft.com/office/powerpoint/2010/main" val="1221479945"/>
+        <p14:creationId xmlns:p14="http://schemas.microsoft.com/office/powerpoint/2010/main" val="3242912162"/>
       </p:ext>
     </p:extLst>
   </p:cSld>
@@ -9925,7 +9964,7 @@
 </p:sld>
 </file>
 
-<file path=ppt/slides/slide14.xml><?xml version="1.0" encoding="utf-8"?>
+<file path=ppt/slides/slide6.xml><?xml version="1.0" encoding="utf-8"?>
 <p:sld xmlns:a="http://schemas.openxmlformats.org/drawingml/2006/main" xmlns:r="http://schemas.openxmlformats.org/officeDocument/2006/relationships" xmlns:p="http://schemas.openxmlformats.org/presentationml/2006/main">
   <p:cSld>
     <p:spTree>
@@ -9974,937 +10013,6 @@
     <p:extLst>
       <p:ext uri="{BB962C8B-B14F-4D97-AF65-F5344CB8AC3E}">
         <p14:creationId xmlns:p14="http://schemas.microsoft.com/office/powerpoint/2010/main" val="360607002"/>
-      </p:ext>
-    </p:extLst>
-  </p:cSld>
-  <p:clrMapOvr>
-    <a:masterClrMapping/>
-  </p:clrMapOvr>
-</p:sld>
-</file>
-
-<file path=ppt/slides/slide2.xml><?xml version="1.0" encoding="utf-8"?>
-<p:sld xmlns:a="http://schemas.openxmlformats.org/drawingml/2006/main" xmlns:r="http://schemas.openxmlformats.org/officeDocument/2006/relationships" xmlns:p="http://schemas.openxmlformats.org/presentationml/2006/main">
-  <p:cSld>
-    <p:bg>
-      <p:bgPr>
-        <a:solidFill>
-          <a:schemeClr val="tx1"/>
-        </a:solidFill>
-        <a:effectLst/>
-      </p:bgPr>
-    </p:bg>
-    <p:spTree>
-      <p:nvGrpSpPr>
-        <p:cNvPr id="1" name=""/>
-        <p:cNvGrpSpPr/>
-        <p:nvPr/>
-      </p:nvGrpSpPr>
-      <p:grpSpPr>
-        <a:xfrm>
-          <a:off x="0" y="0"/>
-          <a:ext cx="0" cy="0"/>
-          <a:chOff x="0" y="0"/>
-          <a:chExt cx="0" cy="0"/>
-        </a:xfrm>
-      </p:grpSpPr>
-      <p:pic>
-        <p:nvPicPr>
-          <p:cNvPr id="5" name="Afbeelding 4" descr="Afbeelding met binnen, zitten, tafel, levend&#10;&#10;Automatisch gegenereerde beschrijving">
-            <a:extLst>
-              <a:ext uri="{FF2B5EF4-FFF2-40B4-BE49-F238E27FC236}">
-                <a16:creationId xmlns:a16="http://schemas.microsoft.com/office/drawing/2014/main" id="{2316DABF-EF1A-4FC0-BE91-EEDD90C4C6DF}"/>
-              </a:ext>
-            </a:extLst>
-          </p:cNvPr>
-          <p:cNvPicPr>
-            <a:picLocks noChangeAspect="1"/>
-          </p:cNvPicPr>
-          <p:nvPr/>
-        </p:nvPicPr>
-        <p:blipFill>
-          <a:blip r:embed="rId2">
-            <a:alphaModFix amt="50000"/>
-            <a:extLst>
-              <a:ext uri="{28A0092B-C50C-407E-A947-70E740481C1C}">
-                <a14:useLocalDpi xmlns:a14="http://schemas.microsoft.com/office/drawing/2010/main" val="0"/>
-              </a:ext>
-            </a:extLst>
-          </a:blip>
-          <a:stretch>
-            <a:fillRect/>
-          </a:stretch>
-        </p:blipFill>
-        <p:spPr>
-          <a:xfrm>
-            <a:off x="0" y="-635000"/>
-            <a:ext cx="12192000" cy="8128000"/>
-          </a:xfrm>
-          <a:prstGeom prst="rect">
-            <a:avLst/>
-          </a:prstGeom>
-        </p:spPr>
-      </p:pic>
-      <p:sp>
-        <p:nvSpPr>
-          <p:cNvPr id="2" name="Titel 1">
-            <a:extLst>
-              <a:ext uri="{FF2B5EF4-FFF2-40B4-BE49-F238E27FC236}">
-                <a16:creationId xmlns:a16="http://schemas.microsoft.com/office/drawing/2014/main" id="{3B716AF2-9DF1-4AC3-A408-9A3F1E45C6AA}"/>
-              </a:ext>
-            </a:extLst>
-          </p:cNvPr>
-          <p:cNvSpPr>
-            <a:spLocks noGrp="1"/>
-          </p:cNvSpPr>
-          <p:nvPr>
-            <p:ph type="ctrTitle"/>
-          </p:nvPr>
-        </p:nvSpPr>
-        <p:spPr>
-          <a:xfrm>
-            <a:off x="1524000" y="2235200"/>
-            <a:ext cx="9144000" cy="2387600"/>
-          </a:xfrm>
-        </p:spPr>
-        <p:txBody>
-          <a:bodyPr>
-            <a:normAutofit/>
-          </a:bodyPr>
-          <a:lstStyle/>
-          <a:p>
-            <a:r>
-              <a:rPr lang="nl-NL" sz="4400" dirty="0">
-                <a:solidFill>
-                  <a:schemeClr val="bg1"/>
-                </a:solidFill>
-                <a:latin typeface="Abadi" panose="020B0604020104020204" pitchFamily="34" charset="0"/>
-              </a:rPr>
-              <a:t>Consumenten willen een stofzuiger die zelf het werk doet</a:t>
-            </a:r>
-          </a:p>
-        </p:txBody>
-      </p:sp>
-    </p:spTree>
-    <p:extLst>
-      <p:ext uri="{BB962C8B-B14F-4D97-AF65-F5344CB8AC3E}">
-        <p14:creationId xmlns:p14="http://schemas.microsoft.com/office/powerpoint/2010/main" val="2054474825"/>
-      </p:ext>
-    </p:extLst>
-  </p:cSld>
-  <p:clrMapOvr>
-    <a:masterClrMapping/>
-  </p:clrMapOvr>
-</p:sld>
-</file>
-
-<file path=ppt/slides/slide3.xml><?xml version="1.0" encoding="utf-8"?>
-<p:sld xmlns:a="http://schemas.openxmlformats.org/drawingml/2006/main" xmlns:r="http://schemas.openxmlformats.org/officeDocument/2006/relationships" xmlns:p="http://schemas.openxmlformats.org/presentationml/2006/main">
-  <p:cSld>
-    <p:bg>
-      <p:bgPr>
-        <a:solidFill>
-          <a:schemeClr val="tx1"/>
-        </a:solidFill>
-        <a:effectLst/>
-      </p:bgPr>
-    </p:bg>
-    <p:spTree>
-      <p:nvGrpSpPr>
-        <p:cNvPr id="1" name=""/>
-        <p:cNvGrpSpPr/>
-        <p:nvPr/>
-      </p:nvGrpSpPr>
-      <p:grpSpPr>
-        <a:xfrm>
-          <a:off x="0" y="0"/>
-          <a:ext cx="0" cy="0"/>
-          <a:chOff x="0" y="0"/>
-          <a:chExt cx="0" cy="0"/>
-        </a:xfrm>
-      </p:grpSpPr>
-      <p:pic>
-        <p:nvPicPr>
-          <p:cNvPr id="5" name="Afbeelding 4" descr="Afbeelding met binnen, zitten, tafel, levend&#10;&#10;Automatisch gegenereerde beschrijving">
-            <a:extLst>
-              <a:ext uri="{FF2B5EF4-FFF2-40B4-BE49-F238E27FC236}">
-                <a16:creationId xmlns:a16="http://schemas.microsoft.com/office/drawing/2014/main" id="{2316DABF-EF1A-4FC0-BE91-EEDD90C4C6DF}"/>
-              </a:ext>
-            </a:extLst>
-          </p:cNvPr>
-          <p:cNvPicPr>
-            <a:picLocks noChangeAspect="1"/>
-          </p:cNvPicPr>
-          <p:nvPr/>
-        </p:nvPicPr>
-        <p:blipFill>
-          <a:blip r:embed="rId2">
-            <a:alphaModFix amt="50000"/>
-            <a:extLst>
-              <a:ext uri="{28A0092B-C50C-407E-A947-70E740481C1C}">
-                <a14:useLocalDpi xmlns:a14="http://schemas.microsoft.com/office/drawing/2010/main" val="0"/>
-              </a:ext>
-            </a:extLst>
-          </a:blip>
-          <a:stretch>
-            <a:fillRect/>
-          </a:stretch>
-        </p:blipFill>
-        <p:spPr>
-          <a:xfrm>
-            <a:off x="0" y="-635000"/>
-            <a:ext cx="12192000" cy="8128000"/>
-          </a:xfrm>
-          <a:prstGeom prst="rect">
-            <a:avLst/>
-          </a:prstGeom>
-        </p:spPr>
-      </p:pic>
-      <p:sp>
-        <p:nvSpPr>
-          <p:cNvPr id="2" name="Titel 1">
-            <a:extLst>
-              <a:ext uri="{FF2B5EF4-FFF2-40B4-BE49-F238E27FC236}">
-                <a16:creationId xmlns:a16="http://schemas.microsoft.com/office/drawing/2014/main" id="{3B716AF2-9DF1-4AC3-A408-9A3F1E45C6AA}"/>
-              </a:ext>
-            </a:extLst>
-          </p:cNvPr>
-          <p:cNvSpPr>
-            <a:spLocks noGrp="1"/>
-          </p:cNvSpPr>
-          <p:nvPr>
-            <p:ph type="ctrTitle"/>
-          </p:nvPr>
-        </p:nvSpPr>
-        <p:spPr>
-          <a:xfrm>
-            <a:off x="1524000" y="1622358"/>
-            <a:ext cx="9144000" cy="2387600"/>
-          </a:xfrm>
-        </p:spPr>
-        <p:txBody>
-          <a:bodyPr>
-            <a:normAutofit/>
-          </a:bodyPr>
-          <a:lstStyle/>
-          <a:p>
-            <a:r>
-              <a:rPr lang="nl-NL" sz="4400" dirty="0" err="1">
-                <a:solidFill>
-                  <a:schemeClr val="bg1"/>
-                </a:solidFill>
-                <a:latin typeface="Abadi" panose="020B0604020104020204" pitchFamily="34" charset="0"/>
-              </a:rPr>
-              <a:t>Robotische</a:t>
-            </a:r>
-            <a:r>
-              <a:rPr lang="nl-NL" sz="4400" dirty="0">
-                <a:solidFill>
-                  <a:schemeClr val="bg1"/>
-                </a:solidFill>
-                <a:latin typeface="Abadi" panose="020B0604020104020204" pitchFamily="34" charset="0"/>
-              </a:rPr>
-              <a:t> stofzuigers zijn inefficiënt</a:t>
-            </a:r>
-            <a:endParaRPr lang="nl-NL" sz="4400" dirty="0"/>
-          </a:p>
-        </p:txBody>
-      </p:sp>
-    </p:spTree>
-    <p:extLst>
-      <p:ext uri="{BB962C8B-B14F-4D97-AF65-F5344CB8AC3E}">
-        <p14:creationId xmlns:p14="http://schemas.microsoft.com/office/powerpoint/2010/main" val="1108797708"/>
-      </p:ext>
-    </p:extLst>
-  </p:cSld>
-  <p:clrMapOvr>
-    <a:masterClrMapping/>
-  </p:clrMapOvr>
-</p:sld>
-</file>
-
-<file path=ppt/slides/slide4.xml><?xml version="1.0" encoding="utf-8"?>
-<p:sld xmlns:a="http://schemas.openxmlformats.org/drawingml/2006/main" xmlns:r="http://schemas.openxmlformats.org/officeDocument/2006/relationships" xmlns:p="http://schemas.openxmlformats.org/presentationml/2006/main">
-  <p:cSld>
-    <p:bg>
-      <p:bgPr>
-        <a:solidFill>
-          <a:schemeClr val="tx1"/>
-        </a:solidFill>
-        <a:effectLst/>
-      </p:bgPr>
-    </p:bg>
-    <p:spTree>
-      <p:nvGrpSpPr>
-        <p:cNvPr id="1" name=""/>
-        <p:cNvGrpSpPr/>
-        <p:nvPr/>
-      </p:nvGrpSpPr>
-      <p:grpSpPr>
-        <a:xfrm>
-          <a:off x="0" y="0"/>
-          <a:ext cx="0" cy="0"/>
-          <a:chOff x="0" y="0"/>
-          <a:chExt cx="0" cy="0"/>
-        </a:xfrm>
-      </p:grpSpPr>
-      <p:pic>
-        <p:nvPicPr>
-          <p:cNvPr id="5" name="Afbeelding 4" descr="Afbeelding met binnen, zitten, tafel, levend&#10;&#10;Automatisch gegenereerde beschrijving">
-            <a:extLst>
-              <a:ext uri="{FF2B5EF4-FFF2-40B4-BE49-F238E27FC236}">
-                <a16:creationId xmlns:a16="http://schemas.microsoft.com/office/drawing/2014/main" id="{2316DABF-EF1A-4FC0-BE91-EEDD90C4C6DF}"/>
-              </a:ext>
-            </a:extLst>
-          </p:cNvPr>
-          <p:cNvPicPr>
-            <a:picLocks noChangeAspect="1"/>
-          </p:cNvPicPr>
-          <p:nvPr/>
-        </p:nvPicPr>
-        <p:blipFill>
-          <a:blip r:embed="rId2">
-            <a:alphaModFix amt="50000"/>
-            <a:extLst>
-              <a:ext uri="{28A0092B-C50C-407E-A947-70E740481C1C}">
-                <a14:useLocalDpi xmlns:a14="http://schemas.microsoft.com/office/drawing/2010/main" val="0"/>
-              </a:ext>
-            </a:extLst>
-          </a:blip>
-          <a:stretch>
-            <a:fillRect/>
-          </a:stretch>
-        </p:blipFill>
-        <p:spPr>
-          <a:xfrm>
-            <a:off x="0" y="-635000"/>
-            <a:ext cx="12192000" cy="8128000"/>
-          </a:xfrm>
-          <a:prstGeom prst="rect">
-            <a:avLst/>
-          </a:prstGeom>
-        </p:spPr>
-      </p:pic>
-      <p:sp>
-        <p:nvSpPr>
-          <p:cNvPr id="2" name="Titel 1">
-            <a:extLst>
-              <a:ext uri="{FF2B5EF4-FFF2-40B4-BE49-F238E27FC236}">
-                <a16:creationId xmlns:a16="http://schemas.microsoft.com/office/drawing/2014/main" id="{3B716AF2-9DF1-4AC3-A408-9A3F1E45C6AA}"/>
-              </a:ext>
-            </a:extLst>
-          </p:cNvPr>
-          <p:cNvSpPr>
-            <a:spLocks noGrp="1"/>
-          </p:cNvSpPr>
-          <p:nvPr>
-            <p:ph type="ctrTitle"/>
-          </p:nvPr>
-        </p:nvSpPr>
-        <p:spPr>
-          <a:xfrm>
-            <a:off x="1524000" y="2235200"/>
-            <a:ext cx="9144000" cy="2387600"/>
-          </a:xfrm>
-        </p:spPr>
-        <p:txBody>
-          <a:bodyPr>
-            <a:normAutofit/>
-          </a:bodyPr>
-          <a:lstStyle/>
-          <a:p>
-            <a:r>
-              <a:rPr lang="nl-NL" sz="4400" dirty="0">
-                <a:solidFill>
-                  <a:schemeClr val="bg1"/>
-                </a:solidFill>
-                <a:latin typeface="Abadi" panose="020B0604020104020204" pitchFamily="34" charset="0"/>
-              </a:rPr>
-              <a:t>Wij bieden een slimme stofzuiger die leert van zijn omgeving</a:t>
-            </a:r>
-            <a:endParaRPr lang="nl-NL" sz="4400" dirty="0"/>
-          </a:p>
-        </p:txBody>
-      </p:sp>
-    </p:spTree>
-    <p:extLst>
-      <p:ext uri="{BB962C8B-B14F-4D97-AF65-F5344CB8AC3E}">
-        <p14:creationId xmlns:p14="http://schemas.microsoft.com/office/powerpoint/2010/main" val="420835558"/>
-      </p:ext>
-    </p:extLst>
-  </p:cSld>
-  <p:clrMapOvr>
-    <a:masterClrMapping/>
-  </p:clrMapOvr>
-</p:sld>
-</file>
-
-<file path=ppt/slides/slide5.xml><?xml version="1.0" encoding="utf-8"?>
-<p:sld xmlns:a="http://schemas.openxmlformats.org/drawingml/2006/main" xmlns:r="http://schemas.openxmlformats.org/officeDocument/2006/relationships" xmlns:p="http://schemas.openxmlformats.org/presentationml/2006/main">
-  <p:cSld>
-    <p:bg>
-      <p:bgPr>
-        <a:solidFill>
-          <a:schemeClr val="tx1"/>
-        </a:solidFill>
-        <a:effectLst/>
-      </p:bgPr>
-    </p:bg>
-    <p:spTree>
-      <p:nvGrpSpPr>
-        <p:cNvPr id="1" name=""/>
-        <p:cNvGrpSpPr/>
-        <p:nvPr/>
-      </p:nvGrpSpPr>
-      <p:grpSpPr>
-        <a:xfrm>
-          <a:off x="0" y="0"/>
-          <a:ext cx="0" cy="0"/>
-          <a:chOff x="0" y="0"/>
-          <a:chExt cx="0" cy="0"/>
-        </a:xfrm>
-      </p:grpSpPr>
-      <p:pic>
-        <p:nvPicPr>
-          <p:cNvPr id="5" name="Afbeelding 4" descr="Afbeelding met binnen, zitten, tafel, levend&#10;&#10;Automatisch gegenereerde beschrijving">
-            <a:extLst>
-              <a:ext uri="{FF2B5EF4-FFF2-40B4-BE49-F238E27FC236}">
-                <a16:creationId xmlns:a16="http://schemas.microsoft.com/office/drawing/2014/main" id="{2316DABF-EF1A-4FC0-BE91-EEDD90C4C6DF}"/>
-              </a:ext>
-            </a:extLst>
-          </p:cNvPr>
-          <p:cNvPicPr>
-            <a:picLocks noChangeAspect="1"/>
-          </p:cNvPicPr>
-          <p:nvPr/>
-        </p:nvPicPr>
-        <p:blipFill>
-          <a:blip r:embed="rId2">
-            <a:alphaModFix amt="50000"/>
-            <a:extLst>
-              <a:ext uri="{28A0092B-C50C-407E-A947-70E740481C1C}">
-                <a14:useLocalDpi xmlns:a14="http://schemas.microsoft.com/office/drawing/2010/main" val="0"/>
-              </a:ext>
-            </a:extLst>
-          </a:blip>
-          <a:stretch>
-            <a:fillRect/>
-          </a:stretch>
-        </p:blipFill>
-        <p:spPr>
-          <a:xfrm>
-            <a:off x="0" y="-635000"/>
-            <a:ext cx="12192000" cy="8128000"/>
-          </a:xfrm>
-          <a:prstGeom prst="rect">
-            <a:avLst/>
-          </a:prstGeom>
-        </p:spPr>
-      </p:pic>
-      <p:sp>
-        <p:nvSpPr>
-          <p:cNvPr id="2" name="Titel 1">
-            <a:extLst>
-              <a:ext uri="{FF2B5EF4-FFF2-40B4-BE49-F238E27FC236}">
-                <a16:creationId xmlns:a16="http://schemas.microsoft.com/office/drawing/2014/main" id="{3B716AF2-9DF1-4AC3-A408-9A3F1E45C6AA}"/>
-              </a:ext>
-            </a:extLst>
-          </p:cNvPr>
-          <p:cNvSpPr>
-            <a:spLocks noGrp="1"/>
-          </p:cNvSpPr>
-          <p:nvPr>
-            <p:ph type="ctrTitle"/>
-          </p:nvPr>
-        </p:nvSpPr>
-        <p:spPr>
-          <a:xfrm>
-            <a:off x="1524000" y="2235200"/>
-            <a:ext cx="9144000" cy="2387600"/>
-          </a:xfrm>
-        </p:spPr>
-        <p:txBody>
-          <a:bodyPr>
-            <a:normAutofit/>
-          </a:bodyPr>
-          <a:lstStyle/>
-          <a:p>
-            <a:r>
-              <a:rPr lang="nl-NL" sz="4400" dirty="0">
-                <a:solidFill>
-                  <a:schemeClr val="bg1"/>
-                </a:solidFill>
-                <a:latin typeface="Abadi" panose="020B0604020104020204" pitchFamily="34" charset="0"/>
-              </a:rPr>
-              <a:t>Onthouden waar obstakels zich bevinden</a:t>
-            </a:r>
-          </a:p>
-        </p:txBody>
-      </p:sp>
-    </p:spTree>
-    <p:extLst>
-      <p:ext uri="{BB962C8B-B14F-4D97-AF65-F5344CB8AC3E}">
-        <p14:creationId xmlns:p14="http://schemas.microsoft.com/office/powerpoint/2010/main" val="2961175394"/>
-      </p:ext>
-    </p:extLst>
-  </p:cSld>
-  <p:clrMapOvr>
-    <a:masterClrMapping/>
-  </p:clrMapOvr>
-</p:sld>
-</file>
-
-<file path=ppt/slides/slide6.xml><?xml version="1.0" encoding="utf-8"?>
-<p:sld xmlns:a="http://schemas.openxmlformats.org/drawingml/2006/main" xmlns:r="http://schemas.openxmlformats.org/officeDocument/2006/relationships" xmlns:p="http://schemas.openxmlformats.org/presentationml/2006/main">
-  <p:cSld>
-    <p:bg>
-      <p:bgPr>
-        <a:solidFill>
-          <a:schemeClr val="tx1"/>
-        </a:solidFill>
-        <a:effectLst/>
-      </p:bgPr>
-    </p:bg>
-    <p:spTree>
-      <p:nvGrpSpPr>
-        <p:cNvPr id="1" name=""/>
-        <p:cNvGrpSpPr/>
-        <p:nvPr/>
-      </p:nvGrpSpPr>
-      <p:grpSpPr>
-        <a:xfrm>
-          <a:off x="0" y="0"/>
-          <a:ext cx="0" cy="0"/>
-          <a:chOff x="0" y="0"/>
-          <a:chExt cx="0" cy="0"/>
-        </a:xfrm>
-      </p:grpSpPr>
-      <p:pic>
-        <p:nvPicPr>
-          <p:cNvPr id="5" name="Afbeelding 4" descr="Afbeelding met binnen, zitten, tafel, levend&#10;&#10;Automatisch gegenereerde beschrijving">
-            <a:extLst>
-              <a:ext uri="{FF2B5EF4-FFF2-40B4-BE49-F238E27FC236}">
-                <a16:creationId xmlns:a16="http://schemas.microsoft.com/office/drawing/2014/main" id="{2316DABF-EF1A-4FC0-BE91-EEDD90C4C6DF}"/>
-              </a:ext>
-            </a:extLst>
-          </p:cNvPr>
-          <p:cNvPicPr>
-            <a:picLocks noChangeAspect="1"/>
-          </p:cNvPicPr>
-          <p:nvPr/>
-        </p:nvPicPr>
-        <p:blipFill>
-          <a:blip r:embed="rId2">
-            <a:alphaModFix amt="50000"/>
-            <a:extLst>
-              <a:ext uri="{28A0092B-C50C-407E-A947-70E740481C1C}">
-                <a14:useLocalDpi xmlns:a14="http://schemas.microsoft.com/office/drawing/2010/main" val="0"/>
-              </a:ext>
-            </a:extLst>
-          </a:blip>
-          <a:stretch>
-            <a:fillRect/>
-          </a:stretch>
-        </p:blipFill>
-        <p:spPr>
-          <a:xfrm>
-            <a:off x="0" y="-635000"/>
-            <a:ext cx="12192000" cy="8128000"/>
-          </a:xfrm>
-          <a:prstGeom prst="rect">
-            <a:avLst/>
-          </a:prstGeom>
-        </p:spPr>
-      </p:pic>
-      <p:sp>
-        <p:nvSpPr>
-          <p:cNvPr id="2" name="Titel 1">
-            <a:extLst>
-              <a:ext uri="{FF2B5EF4-FFF2-40B4-BE49-F238E27FC236}">
-                <a16:creationId xmlns:a16="http://schemas.microsoft.com/office/drawing/2014/main" id="{3B716AF2-9DF1-4AC3-A408-9A3F1E45C6AA}"/>
-              </a:ext>
-            </a:extLst>
-          </p:cNvPr>
-          <p:cNvSpPr>
-            <a:spLocks noGrp="1"/>
-          </p:cNvSpPr>
-          <p:nvPr>
-            <p:ph type="ctrTitle"/>
-          </p:nvPr>
-        </p:nvSpPr>
-        <p:spPr>
-          <a:xfrm>
-            <a:off x="1524000" y="2235200"/>
-            <a:ext cx="9144000" cy="2387600"/>
-          </a:xfrm>
-        </p:spPr>
-        <p:txBody>
-          <a:bodyPr>
-            <a:normAutofit/>
-          </a:bodyPr>
-          <a:lstStyle/>
-          <a:p>
-            <a:r>
-              <a:rPr lang="nl-NL" sz="4400" dirty="0">
-                <a:solidFill>
-                  <a:schemeClr val="bg1"/>
-                </a:solidFill>
-                <a:latin typeface="Abadi" panose="020B0604020104020204" pitchFamily="34" charset="0"/>
-              </a:rPr>
-              <a:t>Het huis zal sneller schoon zijn door een optimale route</a:t>
-            </a:r>
-          </a:p>
-        </p:txBody>
-      </p:sp>
-    </p:spTree>
-    <p:extLst>
-      <p:ext uri="{BB962C8B-B14F-4D97-AF65-F5344CB8AC3E}">
-        <p14:creationId xmlns:p14="http://schemas.microsoft.com/office/powerpoint/2010/main" val="1635858086"/>
-      </p:ext>
-    </p:extLst>
-  </p:cSld>
-  <p:clrMapOvr>
-    <a:masterClrMapping/>
-  </p:clrMapOvr>
-</p:sld>
-</file>
-
-<file path=ppt/slides/slide7.xml><?xml version="1.0" encoding="utf-8"?>
-<p:sld xmlns:a="http://schemas.openxmlformats.org/drawingml/2006/main" xmlns:r="http://schemas.openxmlformats.org/officeDocument/2006/relationships" xmlns:p="http://schemas.openxmlformats.org/presentationml/2006/main">
-  <p:cSld>
-    <p:bg>
-      <p:bgPr>
-        <a:solidFill>
-          <a:schemeClr val="tx1"/>
-        </a:solidFill>
-        <a:effectLst/>
-      </p:bgPr>
-    </p:bg>
-    <p:spTree>
-      <p:nvGrpSpPr>
-        <p:cNvPr id="1" name=""/>
-        <p:cNvGrpSpPr/>
-        <p:nvPr/>
-      </p:nvGrpSpPr>
-      <p:grpSpPr>
-        <a:xfrm>
-          <a:off x="0" y="0"/>
-          <a:ext cx="0" cy="0"/>
-          <a:chOff x="0" y="0"/>
-          <a:chExt cx="0" cy="0"/>
-        </a:xfrm>
-      </p:grpSpPr>
-      <p:pic>
-        <p:nvPicPr>
-          <p:cNvPr id="5" name="Afbeelding 4" descr="Afbeelding met binnen, zitten, tafel, levend&#10;&#10;Automatisch gegenereerde beschrijving">
-            <a:extLst>
-              <a:ext uri="{FF2B5EF4-FFF2-40B4-BE49-F238E27FC236}">
-                <a16:creationId xmlns:a16="http://schemas.microsoft.com/office/drawing/2014/main" id="{2316DABF-EF1A-4FC0-BE91-EEDD90C4C6DF}"/>
-              </a:ext>
-            </a:extLst>
-          </p:cNvPr>
-          <p:cNvPicPr>
-            <a:picLocks noChangeAspect="1"/>
-          </p:cNvPicPr>
-          <p:nvPr/>
-        </p:nvPicPr>
-        <p:blipFill>
-          <a:blip r:embed="rId2">
-            <a:alphaModFix amt="50000"/>
-            <a:extLst>
-              <a:ext uri="{28A0092B-C50C-407E-A947-70E740481C1C}">
-                <a14:useLocalDpi xmlns:a14="http://schemas.microsoft.com/office/drawing/2010/main" val="0"/>
-              </a:ext>
-            </a:extLst>
-          </a:blip>
-          <a:stretch>
-            <a:fillRect/>
-          </a:stretch>
-        </p:blipFill>
-        <p:spPr>
-          <a:xfrm>
-            <a:off x="0" y="-635000"/>
-            <a:ext cx="12192000" cy="8128000"/>
-          </a:xfrm>
-          <a:prstGeom prst="rect">
-            <a:avLst/>
-          </a:prstGeom>
-        </p:spPr>
-      </p:pic>
-      <p:sp>
-        <p:nvSpPr>
-          <p:cNvPr id="2" name="Titel 1">
-            <a:extLst>
-              <a:ext uri="{FF2B5EF4-FFF2-40B4-BE49-F238E27FC236}">
-                <a16:creationId xmlns:a16="http://schemas.microsoft.com/office/drawing/2014/main" id="{3B716AF2-9DF1-4AC3-A408-9A3F1E45C6AA}"/>
-              </a:ext>
-            </a:extLst>
-          </p:cNvPr>
-          <p:cNvSpPr>
-            <a:spLocks noGrp="1"/>
-          </p:cNvSpPr>
-          <p:nvPr>
-            <p:ph type="ctrTitle"/>
-          </p:nvPr>
-        </p:nvSpPr>
-        <p:spPr>
-          <a:xfrm>
-            <a:off x="1524000" y="1690451"/>
-            <a:ext cx="9144000" cy="2387600"/>
-          </a:xfrm>
-        </p:spPr>
-        <p:txBody>
-          <a:bodyPr>
-            <a:normAutofit/>
-          </a:bodyPr>
-          <a:lstStyle/>
-          <a:p>
-            <a:r>
-              <a:rPr lang="nl-NL" sz="4400" dirty="0">
-                <a:solidFill>
-                  <a:schemeClr val="bg1"/>
-                </a:solidFill>
-                <a:latin typeface="Abadi" panose="020B0604020104020204" pitchFamily="34" charset="0"/>
-              </a:rPr>
-              <a:t>Minder energieverbruik </a:t>
-            </a:r>
-          </a:p>
-        </p:txBody>
-      </p:sp>
-    </p:spTree>
-    <p:extLst>
-      <p:ext uri="{BB962C8B-B14F-4D97-AF65-F5344CB8AC3E}">
-        <p14:creationId xmlns:p14="http://schemas.microsoft.com/office/powerpoint/2010/main" val="305698547"/>
-      </p:ext>
-    </p:extLst>
-  </p:cSld>
-  <p:clrMapOvr>
-    <a:masterClrMapping/>
-  </p:clrMapOvr>
-</p:sld>
-</file>
-
-<file path=ppt/slides/slide8.xml><?xml version="1.0" encoding="utf-8"?>
-<p:sld xmlns:a="http://schemas.openxmlformats.org/drawingml/2006/main" xmlns:r="http://schemas.openxmlformats.org/officeDocument/2006/relationships" xmlns:p="http://schemas.openxmlformats.org/presentationml/2006/main">
-  <p:cSld>
-    <p:bg>
-      <p:bgPr>
-        <a:solidFill>
-          <a:schemeClr val="tx1"/>
-        </a:solidFill>
-        <a:effectLst/>
-      </p:bgPr>
-    </p:bg>
-    <p:spTree>
-      <p:nvGrpSpPr>
-        <p:cNvPr id="1" name=""/>
-        <p:cNvGrpSpPr/>
-        <p:nvPr/>
-      </p:nvGrpSpPr>
-      <p:grpSpPr>
-        <a:xfrm>
-          <a:off x="0" y="0"/>
-          <a:ext cx="0" cy="0"/>
-          <a:chOff x="0" y="0"/>
-          <a:chExt cx="0" cy="0"/>
-        </a:xfrm>
-      </p:grpSpPr>
-      <p:pic>
-        <p:nvPicPr>
-          <p:cNvPr id="5" name="Afbeelding 4" descr="Afbeelding met binnen, zitten, tafel, levend&#10;&#10;Automatisch gegenereerde beschrijving">
-            <a:extLst>
-              <a:ext uri="{FF2B5EF4-FFF2-40B4-BE49-F238E27FC236}">
-                <a16:creationId xmlns:a16="http://schemas.microsoft.com/office/drawing/2014/main" id="{2316DABF-EF1A-4FC0-BE91-EEDD90C4C6DF}"/>
-              </a:ext>
-            </a:extLst>
-          </p:cNvPr>
-          <p:cNvPicPr>
-            <a:picLocks noChangeAspect="1"/>
-          </p:cNvPicPr>
-          <p:nvPr/>
-        </p:nvPicPr>
-        <p:blipFill>
-          <a:blip r:embed="rId2">
-            <a:alphaModFix amt="50000"/>
-            <a:extLst>
-              <a:ext uri="{28A0092B-C50C-407E-A947-70E740481C1C}">
-                <a14:useLocalDpi xmlns:a14="http://schemas.microsoft.com/office/drawing/2010/main" val="0"/>
-              </a:ext>
-            </a:extLst>
-          </a:blip>
-          <a:stretch>
-            <a:fillRect/>
-          </a:stretch>
-        </p:blipFill>
-        <p:spPr>
-          <a:xfrm>
-            <a:off x="0" y="-635000"/>
-            <a:ext cx="12192000" cy="8128000"/>
-          </a:xfrm>
-          <a:prstGeom prst="rect">
-            <a:avLst/>
-          </a:prstGeom>
-        </p:spPr>
-      </p:pic>
-      <p:sp>
-        <p:nvSpPr>
-          <p:cNvPr id="2" name="Titel 1">
-            <a:extLst>
-              <a:ext uri="{FF2B5EF4-FFF2-40B4-BE49-F238E27FC236}">
-                <a16:creationId xmlns:a16="http://schemas.microsoft.com/office/drawing/2014/main" id="{3B716AF2-9DF1-4AC3-A408-9A3F1E45C6AA}"/>
-              </a:ext>
-            </a:extLst>
-          </p:cNvPr>
-          <p:cNvSpPr>
-            <a:spLocks noGrp="1"/>
-          </p:cNvSpPr>
-          <p:nvPr>
-            <p:ph type="ctrTitle"/>
-          </p:nvPr>
-        </p:nvSpPr>
-        <p:spPr>
-          <a:xfrm>
-            <a:off x="1524000" y="1690449"/>
-            <a:ext cx="9144000" cy="2387600"/>
-          </a:xfrm>
-        </p:spPr>
-        <p:txBody>
-          <a:bodyPr>
-            <a:normAutofit/>
-          </a:bodyPr>
-          <a:lstStyle/>
-          <a:p>
-            <a:r>
-              <a:rPr lang="nl-NL" sz="4400" dirty="0">
-                <a:solidFill>
-                  <a:schemeClr val="bg1"/>
-                </a:solidFill>
-                <a:latin typeface="Abadi" panose="020B0604020104020204" pitchFamily="34" charset="0"/>
-              </a:rPr>
-              <a:t>Korter onderweg</a:t>
-            </a:r>
-          </a:p>
-        </p:txBody>
-      </p:sp>
-    </p:spTree>
-    <p:extLst>
-      <p:ext uri="{BB962C8B-B14F-4D97-AF65-F5344CB8AC3E}">
-        <p14:creationId xmlns:p14="http://schemas.microsoft.com/office/powerpoint/2010/main" val="4070243246"/>
-      </p:ext>
-    </p:extLst>
-  </p:cSld>
-  <p:clrMapOvr>
-    <a:masterClrMapping/>
-  </p:clrMapOvr>
-</p:sld>
-</file>
-
-<file path=ppt/slides/slide9.xml><?xml version="1.0" encoding="utf-8"?>
-<p:sld xmlns:a="http://schemas.openxmlformats.org/drawingml/2006/main" xmlns:r="http://schemas.openxmlformats.org/officeDocument/2006/relationships" xmlns:p="http://schemas.openxmlformats.org/presentationml/2006/main">
-  <p:cSld>
-    <p:bg>
-      <p:bgPr>
-        <a:solidFill>
-          <a:schemeClr val="tx1"/>
-        </a:solidFill>
-        <a:effectLst/>
-      </p:bgPr>
-    </p:bg>
-    <p:spTree>
-      <p:nvGrpSpPr>
-        <p:cNvPr id="1" name=""/>
-        <p:cNvGrpSpPr/>
-        <p:nvPr/>
-      </p:nvGrpSpPr>
-      <p:grpSpPr>
-        <a:xfrm>
-          <a:off x="0" y="0"/>
-          <a:ext cx="0" cy="0"/>
-          <a:chOff x="0" y="0"/>
-          <a:chExt cx="0" cy="0"/>
-        </a:xfrm>
-      </p:grpSpPr>
-      <p:pic>
-        <p:nvPicPr>
-          <p:cNvPr id="5" name="Afbeelding 4" descr="Afbeelding met binnen, zitten, tafel, levend&#10;&#10;Automatisch gegenereerde beschrijving">
-            <a:extLst>
-              <a:ext uri="{FF2B5EF4-FFF2-40B4-BE49-F238E27FC236}">
-                <a16:creationId xmlns:a16="http://schemas.microsoft.com/office/drawing/2014/main" id="{2316DABF-EF1A-4FC0-BE91-EEDD90C4C6DF}"/>
-              </a:ext>
-            </a:extLst>
-          </p:cNvPr>
-          <p:cNvPicPr>
-            <a:picLocks noChangeAspect="1"/>
-          </p:cNvPicPr>
-          <p:nvPr/>
-        </p:nvPicPr>
-        <p:blipFill>
-          <a:blip r:embed="rId2">
-            <a:alphaModFix amt="50000"/>
-            <a:extLst>
-              <a:ext uri="{28A0092B-C50C-407E-A947-70E740481C1C}">
-                <a14:useLocalDpi xmlns:a14="http://schemas.microsoft.com/office/drawing/2010/main" val="0"/>
-              </a:ext>
-            </a:extLst>
-          </a:blip>
-          <a:stretch>
-            <a:fillRect/>
-          </a:stretch>
-        </p:blipFill>
-        <p:spPr>
-          <a:xfrm>
-            <a:off x="0" y="-635000"/>
-            <a:ext cx="12192000" cy="8128000"/>
-          </a:xfrm>
-          <a:prstGeom prst="rect">
-            <a:avLst/>
-          </a:prstGeom>
-        </p:spPr>
-      </p:pic>
-      <p:sp>
-        <p:nvSpPr>
-          <p:cNvPr id="2" name="Titel 1">
-            <a:extLst>
-              <a:ext uri="{FF2B5EF4-FFF2-40B4-BE49-F238E27FC236}">
-                <a16:creationId xmlns:a16="http://schemas.microsoft.com/office/drawing/2014/main" id="{3B716AF2-9DF1-4AC3-A408-9A3F1E45C6AA}"/>
-              </a:ext>
-            </a:extLst>
-          </p:cNvPr>
-          <p:cNvSpPr>
-            <a:spLocks noGrp="1"/>
-          </p:cNvSpPr>
-          <p:nvPr>
-            <p:ph type="ctrTitle"/>
-          </p:nvPr>
-        </p:nvSpPr>
-        <p:spPr>
-          <a:xfrm>
-            <a:off x="1524000" y="1680726"/>
-            <a:ext cx="9144000" cy="2387600"/>
-          </a:xfrm>
-        </p:spPr>
-        <p:txBody>
-          <a:bodyPr>
-            <a:normAutofit/>
-          </a:bodyPr>
-          <a:lstStyle/>
-          <a:p>
-            <a:r>
-              <a:rPr lang="nl-NL" sz="4400" dirty="0">
-                <a:solidFill>
-                  <a:schemeClr val="bg1"/>
-                </a:solidFill>
-                <a:latin typeface="Abadi" panose="020B0604020104020204" pitchFamily="34" charset="0"/>
-              </a:rPr>
-              <a:t>Het is duurzamer</a:t>
-            </a:r>
-          </a:p>
-        </p:txBody>
-      </p:sp>
-    </p:spTree>
-    <p:extLst>
-      <p:ext uri="{BB962C8B-B14F-4D97-AF65-F5344CB8AC3E}">
-        <p14:creationId xmlns:p14="http://schemas.microsoft.com/office/powerpoint/2010/main" val="3342042856"/>
       </p:ext>
     </p:extLst>
   </p:cSld>
